--- a/docs/slides/AI_Cursor_Workshop.pptx
+++ b/docs/slides/AI_Cursor_Workshop.pptx
@@ -5,7 +5,7 @@
     <p:sldMasterId id="2147483648" r:id="rId1"/>
   </p:sldMasterIdLst>
   <p:notesMasterIdLst>
-    <p:notesMasterId r:id="rId26"/>
+    <p:notesMasterId r:id="rId27"/>
   </p:notesMasterIdLst>
   <p:sldIdLst>
     <p:sldId id="256" r:id="rId2"/>
@@ -13,25 +13,26 @@
     <p:sldId id="258" r:id="rId4"/>
     <p:sldId id="259" r:id="rId5"/>
     <p:sldId id="260" r:id="rId6"/>
-    <p:sldId id="261" r:id="rId7"/>
-    <p:sldId id="262" r:id="rId8"/>
-    <p:sldId id="263" r:id="rId9"/>
-    <p:sldId id="264" r:id="rId10"/>
-    <p:sldId id="265" r:id="rId11"/>
-    <p:sldId id="266" r:id="rId12"/>
-    <p:sldId id="267" r:id="rId13"/>
-    <p:sldId id="268" r:id="rId14"/>
-    <p:sldId id="269" r:id="rId15"/>
-    <p:sldId id="270" r:id="rId16"/>
-    <p:sldId id="271" r:id="rId17"/>
-    <p:sldId id="272" r:id="rId18"/>
-    <p:sldId id="273" r:id="rId19"/>
-    <p:sldId id="274" r:id="rId20"/>
-    <p:sldId id="275" r:id="rId21"/>
-    <p:sldId id="276" r:id="rId22"/>
-    <p:sldId id="277" r:id="rId23"/>
-    <p:sldId id="278" r:id="rId24"/>
-    <p:sldId id="279" r:id="rId25"/>
+    <p:sldId id="280" r:id="rId7"/>
+    <p:sldId id="261" r:id="rId8"/>
+    <p:sldId id="262" r:id="rId9"/>
+    <p:sldId id="263" r:id="rId10"/>
+    <p:sldId id="264" r:id="rId11"/>
+    <p:sldId id="265" r:id="rId12"/>
+    <p:sldId id="266" r:id="rId13"/>
+    <p:sldId id="267" r:id="rId14"/>
+    <p:sldId id="268" r:id="rId15"/>
+    <p:sldId id="269" r:id="rId16"/>
+    <p:sldId id="270" r:id="rId17"/>
+    <p:sldId id="271" r:id="rId18"/>
+    <p:sldId id="272" r:id="rId19"/>
+    <p:sldId id="273" r:id="rId20"/>
+    <p:sldId id="274" r:id="rId21"/>
+    <p:sldId id="275" r:id="rId22"/>
+    <p:sldId id="276" r:id="rId23"/>
+    <p:sldId id="277" r:id="rId24"/>
+    <p:sldId id="278" r:id="rId25"/>
+    <p:sldId id="279" r:id="rId26"/>
   </p:sldIdLst>
   <p:sldSz cx="9144000" cy="5143500" type="screen16x9"/>
   <p:notesSz cx="5143500" cy="9144000"/>
@@ -951,7 +952,7 @@
           <a:p>
             <a:fld id="{F7021451-1387-4CA6-816F-3879F97B5CBC}" type="slidenum">
               <a:rPr lang="en-US"/>
-              <a:t>10</a:t>
+              <a:t>11</a:t>
             </a:fld>
             <a:endParaRPr lang="en-US"/>
           </a:p>
@@ -1035,7 +1036,7 @@
           <a:p>
             <a:fld id="{F7021451-1387-4CA6-816F-3879F97B5CBC}" type="slidenum">
               <a:rPr lang="en-US"/>
-              <a:t>11</a:t>
+              <a:t>12</a:t>
             </a:fld>
             <a:endParaRPr lang="en-US"/>
           </a:p>
@@ -1119,7 +1120,7 @@
           <a:p>
             <a:fld id="{F7021451-1387-4CA6-816F-3879F97B5CBC}" type="slidenum">
               <a:rPr lang="en-US"/>
-              <a:t>12</a:t>
+              <a:t>13</a:t>
             </a:fld>
             <a:endParaRPr lang="en-US"/>
           </a:p>
@@ -1203,7 +1204,7 @@
           <a:p>
             <a:fld id="{F7021451-1387-4CA6-816F-3879F97B5CBC}" type="slidenum">
               <a:rPr lang="en-US"/>
-              <a:t>13</a:t>
+              <a:t>14</a:t>
             </a:fld>
             <a:endParaRPr lang="en-US"/>
           </a:p>
@@ -1287,7 +1288,7 @@
           <a:p>
             <a:fld id="{F7021451-1387-4CA6-816F-3879F97B5CBC}" type="slidenum">
               <a:rPr lang="en-US"/>
-              <a:t>14</a:t>
+              <a:t>15</a:t>
             </a:fld>
             <a:endParaRPr lang="en-US"/>
           </a:p>
@@ -1371,7 +1372,7 @@
           <a:p>
             <a:fld id="{F7021451-1387-4CA6-816F-3879F97B5CBC}" type="slidenum">
               <a:rPr lang="en-US"/>
-              <a:t>15</a:t>
+              <a:t>16</a:t>
             </a:fld>
             <a:endParaRPr lang="en-US"/>
           </a:p>
@@ -1455,7 +1456,7 @@
           <a:p>
             <a:fld id="{F7021451-1387-4CA6-816F-3879F97B5CBC}" type="slidenum">
               <a:rPr lang="en-US"/>
-              <a:t>16</a:t>
+              <a:t>17</a:t>
             </a:fld>
             <a:endParaRPr lang="en-US"/>
           </a:p>
@@ -1539,7 +1540,7 @@
           <a:p>
             <a:fld id="{F7021451-1387-4CA6-816F-3879F97B5CBC}" type="slidenum">
               <a:rPr lang="en-US"/>
-              <a:t>17</a:t>
+              <a:t>18</a:t>
             </a:fld>
             <a:endParaRPr lang="en-US"/>
           </a:p>
@@ -1623,7 +1624,7 @@
           <a:p>
             <a:fld id="{F7021451-1387-4CA6-816F-3879F97B5CBC}" type="slidenum">
               <a:rPr lang="en-US"/>
-              <a:t>18</a:t>
+              <a:t>19</a:t>
             </a:fld>
             <a:endParaRPr lang="en-US"/>
           </a:p>
@@ -1707,7 +1708,7 @@
           <a:p>
             <a:fld id="{F7021451-1387-4CA6-816F-3879F97B5CBC}" type="slidenum">
               <a:rPr lang="en-US"/>
-              <a:t>19</a:t>
+              <a:t>20</a:t>
             </a:fld>
             <a:endParaRPr lang="en-US"/>
           </a:p>
@@ -1875,7 +1876,7 @@
           <a:p>
             <a:fld id="{F7021451-1387-4CA6-816F-3879F97B5CBC}" type="slidenum">
               <a:rPr lang="en-US"/>
-              <a:t>20</a:t>
+              <a:t>21</a:t>
             </a:fld>
             <a:endParaRPr lang="en-US"/>
           </a:p>
@@ -1959,7 +1960,7 @@
           <a:p>
             <a:fld id="{F7021451-1387-4CA6-816F-3879F97B5CBC}" type="slidenum">
               <a:rPr lang="en-US"/>
-              <a:t>21</a:t>
+              <a:t>22</a:t>
             </a:fld>
             <a:endParaRPr lang="en-US"/>
           </a:p>
@@ -2043,7 +2044,7 @@
           <a:p>
             <a:fld id="{F7021451-1387-4CA6-816F-3879F97B5CBC}" type="slidenum">
               <a:rPr lang="en-US"/>
-              <a:t>22</a:t>
+              <a:t>23</a:t>
             </a:fld>
             <a:endParaRPr lang="en-US"/>
           </a:p>
@@ -2127,7 +2128,7 @@
           <a:p>
             <a:fld id="{F7021451-1387-4CA6-816F-3879F97B5CBC}" type="slidenum">
               <a:rPr lang="en-US"/>
-              <a:t>23</a:t>
+              <a:t>24</a:t>
             </a:fld>
             <a:endParaRPr lang="en-US"/>
           </a:p>
@@ -2211,7 +2212,7 @@
           <a:p>
             <a:fld id="{F7021451-1387-4CA6-816F-3879F97B5CBC}" type="slidenum">
               <a:rPr lang="en-US"/>
-              <a:t>24</a:t>
+              <a:t>25</a:t>
             </a:fld>
             <a:endParaRPr lang="en-US"/>
           </a:p>
@@ -2547,7 +2548,7 @@
           <a:p>
             <a:fld id="{F7021451-1387-4CA6-816F-3879F97B5CBC}" type="slidenum">
               <a:rPr lang="en-US"/>
-              <a:t>6</a:t>
+              <a:t>7</a:t>
             </a:fld>
             <a:endParaRPr lang="en-US"/>
           </a:p>
@@ -2631,7 +2632,7 @@
           <a:p>
             <a:fld id="{F7021451-1387-4CA6-816F-3879F97B5CBC}" type="slidenum">
               <a:rPr lang="en-US"/>
-              <a:t>7</a:t>
+              <a:t>8</a:t>
             </a:fld>
             <a:endParaRPr lang="en-US"/>
           </a:p>
@@ -2715,7 +2716,7 @@
           <a:p>
             <a:fld id="{F7021451-1387-4CA6-816F-3879F97B5CBC}" type="slidenum">
               <a:rPr lang="en-US"/>
-              <a:t>8</a:t>
+              <a:t>9</a:t>
             </a:fld>
             <a:endParaRPr lang="en-US"/>
           </a:p>
@@ -2799,7 +2800,7 @@
           <a:p>
             <a:fld id="{F7021451-1387-4CA6-816F-3879F97B5CBC}" type="slidenum">
               <a:rPr lang="en-US"/>
-              <a:t>9</a:t>
+              <a:t>10</a:t>
             </a:fld>
             <a:endParaRPr lang="en-US"/>
           </a:p>
@@ -3216,12 +3217,12 @@
               <a:buNone/>
             </a:pPr>
             <a:r>
-              <a:rPr lang="en-US" sz="2400" dirty="0">
+              <a:rPr lang="ru-RU" sz="2400" dirty="0">
                 <a:solidFill>
                   <a:srgbClr val="02C39A"/>
                 </a:solidFill>
               </a:rPr>
-              <a:t>Практический воркшоп</a:t>
+              <a:t>Практические наблюдения</a:t>
             </a:r>
             <a:endParaRPr lang="en-US" sz="2400" dirty="0"/>
           </a:p>
@@ -3272,6 +3273,656 @@
 </file>
 
 <file path=ppt/slides/slide10.xml><?xml version="1.0" encoding="utf-8"?>
+<p:sld xmlns:a="http://schemas.openxmlformats.org/drawingml/2006/main" xmlns:r="http://schemas.openxmlformats.org/officeDocument/2006/relationships" xmlns:p="http://schemas.openxmlformats.org/presentationml/2006/main">
+  <p:cSld name="Slide 9">
+    <p:bg>
+      <p:bgPr>
+        <a:solidFill>
+          <a:srgbClr val="FFFFFF"/>
+        </a:solidFill>
+        <a:effectLst/>
+      </p:bgPr>
+    </p:bg>
+    <p:spTree>
+      <p:nvGrpSpPr>
+        <p:cNvPr id="1" name=""/>
+        <p:cNvGrpSpPr/>
+        <p:nvPr/>
+      </p:nvGrpSpPr>
+      <p:grpSpPr>
+        <a:xfrm>
+          <a:off x="0" y="0"/>
+          <a:ext cx="0" cy="0"/>
+          <a:chOff x="0" y="0"/>
+          <a:chExt cx="0" cy="0"/>
+        </a:xfrm>
+      </p:grpSpPr>
+      <p:sp>
+        <p:nvSpPr>
+          <p:cNvPr id="2" name="Text 0"/>
+          <p:cNvSpPr/>
+          <p:nvPr/>
+        </p:nvSpPr>
+        <p:spPr>
+          <a:xfrm>
+            <a:off x="457200" y="274320"/>
+            <a:ext cx="8229600" cy="548640"/>
+          </a:xfrm>
+          <a:prstGeom prst="rect">
+            <a:avLst/>
+          </a:prstGeom>
+          <a:noFill/>
+          <a:ln/>
+        </p:spPr>
+        <p:txBody>
+          <a:bodyPr wrap="square" lIns="0" tIns="0" rIns="0" bIns="0" rtlCol="0" anchor="ctr"/>
+          <a:lstStyle/>
+          <a:p>
+            <a:pPr marL="0" indent="0">
+              <a:buNone/>
+            </a:pPr>
+            <a:r>
+              <a:rPr lang="en-US" sz="3600" b="1" dirty="0">
+                <a:solidFill>
+                  <a:srgbClr val="1E2761"/>
+                </a:solidFill>
+              </a:rPr>
+              <a:t>Как диалог влияет на стоимость</a:t>
+            </a:r>
+            <a:endParaRPr lang="en-US" sz="3600" dirty="0"/>
+          </a:p>
+        </p:txBody>
+      </p:sp>
+      <p:sp>
+        <p:nvSpPr>
+          <p:cNvPr id="3" name="Shape 1"/>
+          <p:cNvSpPr/>
+          <p:nvPr/>
+        </p:nvSpPr>
+        <p:spPr>
+          <a:xfrm>
+            <a:off x="1097280" y="1371600"/>
+            <a:ext cx="1188720" cy="731520"/>
+          </a:xfrm>
+          <a:prstGeom prst="rect">
+            <a:avLst/>
+          </a:prstGeom>
+          <a:solidFill>
+            <a:srgbClr val="02C39A"/>
+          </a:solidFill>
+          <a:ln/>
+          <a:effectLst>
+            <a:outerShdw blurRad="101600" dist="38100" dir="8100000" algn="bl" rotWithShape="0">
+              <a:srgbClr val="000000">
+                <a:alpha val="15000"/>
+              </a:srgbClr>
+            </a:outerShdw>
+          </a:effectLst>
+        </p:spPr>
+      </p:sp>
+      <p:sp>
+        <p:nvSpPr>
+          <p:cNvPr id="4" name="Text 2"/>
+          <p:cNvSpPr/>
+          <p:nvPr/>
+        </p:nvSpPr>
+        <p:spPr>
+          <a:xfrm>
+            <a:off x="1097280" y="1371600"/>
+            <a:ext cx="1188720" cy="731520"/>
+          </a:xfrm>
+          <a:prstGeom prst="rect">
+            <a:avLst/>
+          </a:prstGeom>
+          <a:noFill/>
+          <a:ln/>
+        </p:spPr>
+        <p:txBody>
+          <a:bodyPr wrap="square" rtlCol="0" anchor="ctr"/>
+          <a:lstStyle/>
+          <a:p>
+            <a:pPr marL="0" indent="0" algn="ctr">
+              <a:buNone/>
+            </a:pPr>
+            <a:r>
+              <a:rPr lang="en-US" sz="1300" b="1" dirty="0">
+                <a:solidFill>
+                  <a:srgbClr val="FFFFFF"/>
+                </a:solidFill>
+              </a:rPr>
+              <a:t>Msg 1</a:t>
+            </a:r>
+            <a:endParaRPr lang="en-US" sz="1300" dirty="0"/>
+          </a:p>
+          <a:p>
+            <a:pPr marL="0" indent="0" algn="ctr">
+              <a:buNone/>
+            </a:pPr>
+            <a:r>
+              <a:rPr lang="en-US" sz="1300" b="1" dirty="0">
+                <a:solidFill>
+                  <a:srgbClr val="FFFFFF"/>
+                </a:solidFill>
+              </a:rPr>
+              <a:t>10₽</a:t>
+            </a:r>
+            <a:endParaRPr lang="en-US" sz="1300" dirty="0"/>
+          </a:p>
+        </p:txBody>
+      </p:sp>
+      <p:sp>
+        <p:nvSpPr>
+          <p:cNvPr id="5" name="Shape 3"/>
+          <p:cNvSpPr/>
+          <p:nvPr/>
+        </p:nvSpPr>
+        <p:spPr>
+          <a:xfrm>
+            <a:off x="2560320" y="1371600"/>
+            <a:ext cx="1188720" cy="731520"/>
+          </a:xfrm>
+          <a:prstGeom prst="rect">
+            <a:avLst/>
+          </a:prstGeom>
+          <a:solidFill>
+            <a:srgbClr val="00A896"/>
+          </a:solidFill>
+          <a:ln/>
+          <a:effectLst>
+            <a:outerShdw blurRad="101600" dist="38100" dir="8100000" algn="bl" rotWithShape="0">
+              <a:srgbClr val="000000">
+                <a:alpha val="15000"/>
+              </a:srgbClr>
+            </a:outerShdw>
+          </a:effectLst>
+        </p:spPr>
+      </p:sp>
+      <p:sp>
+        <p:nvSpPr>
+          <p:cNvPr id="6" name="Text 4"/>
+          <p:cNvSpPr/>
+          <p:nvPr/>
+        </p:nvSpPr>
+        <p:spPr>
+          <a:xfrm>
+            <a:off x="2560320" y="1371600"/>
+            <a:ext cx="1188720" cy="731520"/>
+          </a:xfrm>
+          <a:prstGeom prst="rect">
+            <a:avLst/>
+          </a:prstGeom>
+          <a:noFill/>
+          <a:ln/>
+        </p:spPr>
+        <p:txBody>
+          <a:bodyPr wrap="square" rtlCol="0" anchor="ctr"/>
+          <a:lstStyle/>
+          <a:p>
+            <a:pPr marL="0" indent="0" algn="ctr">
+              <a:buNone/>
+            </a:pPr>
+            <a:r>
+              <a:rPr lang="en-US" sz="1300" b="1" dirty="0">
+                <a:solidFill>
+                  <a:srgbClr val="FFFFFF"/>
+                </a:solidFill>
+              </a:rPr>
+              <a:t>Msg 2</a:t>
+            </a:r>
+            <a:endParaRPr lang="en-US" sz="1300" dirty="0"/>
+          </a:p>
+          <a:p>
+            <a:pPr marL="0" indent="0" algn="ctr">
+              <a:buNone/>
+            </a:pPr>
+            <a:r>
+              <a:rPr lang="en-US" sz="1300" b="1" dirty="0">
+                <a:solidFill>
+                  <a:srgbClr val="FFFFFF"/>
+                </a:solidFill>
+              </a:rPr>
+              <a:t>25₽</a:t>
+            </a:r>
+            <a:endParaRPr lang="en-US" sz="1300" dirty="0"/>
+          </a:p>
+        </p:txBody>
+      </p:sp>
+      <p:sp>
+        <p:nvSpPr>
+          <p:cNvPr id="7" name="Shape 5"/>
+          <p:cNvSpPr/>
+          <p:nvPr/>
+        </p:nvSpPr>
+        <p:spPr>
+          <a:xfrm>
+            <a:off x="4023360" y="1371600"/>
+            <a:ext cx="1188720" cy="731520"/>
+          </a:xfrm>
+          <a:prstGeom prst="rect">
+            <a:avLst/>
+          </a:prstGeom>
+          <a:solidFill>
+            <a:srgbClr val="00A896"/>
+          </a:solidFill>
+          <a:ln/>
+          <a:effectLst>
+            <a:outerShdw blurRad="101600" dist="38100" dir="8100000" algn="bl" rotWithShape="0">
+              <a:srgbClr val="000000">
+                <a:alpha val="15000"/>
+              </a:srgbClr>
+            </a:outerShdw>
+          </a:effectLst>
+        </p:spPr>
+      </p:sp>
+      <p:sp>
+        <p:nvSpPr>
+          <p:cNvPr id="8" name="Text 6"/>
+          <p:cNvSpPr/>
+          <p:nvPr/>
+        </p:nvSpPr>
+        <p:spPr>
+          <a:xfrm>
+            <a:off x="4023360" y="1371600"/>
+            <a:ext cx="1188720" cy="731520"/>
+          </a:xfrm>
+          <a:prstGeom prst="rect">
+            <a:avLst/>
+          </a:prstGeom>
+          <a:noFill/>
+          <a:ln/>
+        </p:spPr>
+        <p:txBody>
+          <a:bodyPr wrap="square" rtlCol="0" anchor="ctr"/>
+          <a:lstStyle/>
+          <a:p>
+            <a:pPr marL="0" indent="0" algn="ctr">
+              <a:buNone/>
+            </a:pPr>
+            <a:r>
+              <a:rPr lang="en-US" sz="1300" b="1" dirty="0">
+                <a:solidFill>
+                  <a:srgbClr val="FFFFFF"/>
+                </a:solidFill>
+              </a:rPr>
+              <a:t>Msg 3</a:t>
+            </a:r>
+            <a:endParaRPr lang="en-US" sz="1300" dirty="0"/>
+          </a:p>
+          <a:p>
+            <a:pPr marL="0" indent="0" algn="ctr">
+              <a:buNone/>
+            </a:pPr>
+            <a:r>
+              <a:rPr lang="en-US" sz="1300" b="1" dirty="0">
+                <a:solidFill>
+                  <a:srgbClr val="FFFFFF"/>
+                </a:solidFill>
+              </a:rPr>
+              <a:t>45₽</a:t>
+            </a:r>
+            <a:endParaRPr lang="en-US" sz="1300" dirty="0"/>
+          </a:p>
+        </p:txBody>
+      </p:sp>
+      <p:sp>
+        <p:nvSpPr>
+          <p:cNvPr id="9" name="Shape 7"/>
+          <p:cNvSpPr/>
+          <p:nvPr/>
+        </p:nvSpPr>
+        <p:spPr>
+          <a:xfrm>
+            <a:off x="5486400" y="1371600"/>
+            <a:ext cx="1188720" cy="731520"/>
+          </a:xfrm>
+          <a:prstGeom prst="rect">
+            <a:avLst/>
+          </a:prstGeom>
+          <a:solidFill>
+            <a:srgbClr val="028090"/>
+          </a:solidFill>
+          <a:ln/>
+          <a:effectLst>
+            <a:outerShdw blurRad="101600" dist="38100" dir="8100000" algn="bl" rotWithShape="0">
+              <a:srgbClr val="000000">
+                <a:alpha val="15000"/>
+              </a:srgbClr>
+            </a:outerShdw>
+          </a:effectLst>
+        </p:spPr>
+      </p:sp>
+      <p:sp>
+        <p:nvSpPr>
+          <p:cNvPr id="10" name="Text 8"/>
+          <p:cNvSpPr/>
+          <p:nvPr/>
+        </p:nvSpPr>
+        <p:spPr>
+          <a:xfrm>
+            <a:off x="5486400" y="1371600"/>
+            <a:ext cx="1188720" cy="731520"/>
+          </a:xfrm>
+          <a:prstGeom prst="rect">
+            <a:avLst/>
+          </a:prstGeom>
+          <a:noFill/>
+          <a:ln/>
+        </p:spPr>
+        <p:txBody>
+          <a:bodyPr wrap="square" rtlCol="0" anchor="ctr"/>
+          <a:lstStyle/>
+          <a:p>
+            <a:pPr marL="0" indent="0" algn="ctr">
+              <a:buNone/>
+            </a:pPr>
+            <a:r>
+              <a:rPr lang="en-US" sz="1300" b="1" dirty="0">
+                <a:solidFill>
+                  <a:srgbClr val="FFFFFF"/>
+                </a:solidFill>
+              </a:rPr>
+              <a:t>Msg 4</a:t>
+            </a:r>
+            <a:endParaRPr lang="en-US" sz="1300" dirty="0"/>
+          </a:p>
+          <a:p>
+            <a:pPr marL="0" indent="0" algn="ctr">
+              <a:buNone/>
+            </a:pPr>
+            <a:r>
+              <a:rPr lang="en-US" sz="1300" b="1" dirty="0">
+                <a:solidFill>
+                  <a:srgbClr val="FFFFFF"/>
+                </a:solidFill>
+              </a:rPr>
+              <a:t>70₽</a:t>
+            </a:r>
+            <a:endParaRPr lang="en-US" sz="1300" dirty="0"/>
+          </a:p>
+        </p:txBody>
+      </p:sp>
+      <p:sp>
+        <p:nvSpPr>
+          <p:cNvPr id="11" name="Shape 9"/>
+          <p:cNvSpPr/>
+          <p:nvPr/>
+        </p:nvSpPr>
+        <p:spPr>
+          <a:xfrm>
+            <a:off x="6949440" y="1371600"/>
+            <a:ext cx="1188720" cy="731520"/>
+          </a:xfrm>
+          <a:prstGeom prst="rect">
+            <a:avLst/>
+          </a:prstGeom>
+          <a:solidFill>
+            <a:srgbClr val="028090"/>
+          </a:solidFill>
+          <a:ln/>
+          <a:effectLst>
+            <a:outerShdw blurRad="101600" dist="38100" dir="8100000" algn="bl" rotWithShape="0">
+              <a:srgbClr val="000000">
+                <a:alpha val="15000"/>
+              </a:srgbClr>
+            </a:outerShdw>
+          </a:effectLst>
+        </p:spPr>
+      </p:sp>
+      <p:sp>
+        <p:nvSpPr>
+          <p:cNvPr id="12" name="Text 10"/>
+          <p:cNvSpPr/>
+          <p:nvPr/>
+        </p:nvSpPr>
+        <p:spPr>
+          <a:xfrm>
+            <a:off x="6949440" y="1371600"/>
+            <a:ext cx="1188720" cy="731520"/>
+          </a:xfrm>
+          <a:prstGeom prst="rect">
+            <a:avLst/>
+          </a:prstGeom>
+          <a:noFill/>
+          <a:ln/>
+        </p:spPr>
+        <p:txBody>
+          <a:bodyPr wrap="square" rtlCol="0" anchor="ctr"/>
+          <a:lstStyle/>
+          <a:p>
+            <a:pPr marL="0" indent="0" algn="ctr">
+              <a:buNone/>
+            </a:pPr>
+            <a:r>
+              <a:rPr lang="en-US" sz="1300" b="1" dirty="0">
+                <a:solidFill>
+                  <a:srgbClr val="FFFFFF"/>
+                </a:solidFill>
+              </a:rPr>
+              <a:t>Msg 5</a:t>
+            </a:r>
+            <a:endParaRPr lang="en-US" sz="1300" dirty="0"/>
+          </a:p>
+          <a:p>
+            <a:pPr marL="0" indent="0" algn="ctr">
+              <a:buNone/>
+            </a:pPr>
+            <a:r>
+              <a:rPr lang="en-US" sz="1300" b="1" dirty="0">
+                <a:solidFill>
+                  <a:srgbClr val="FFFFFF"/>
+                </a:solidFill>
+              </a:rPr>
+              <a:t>100₽</a:t>
+            </a:r>
+            <a:endParaRPr lang="en-US" sz="1300" dirty="0"/>
+          </a:p>
+        </p:txBody>
+      </p:sp>
+      <p:pic>
+        <p:nvPicPr>
+          <p:cNvPr id="13" name="Image 0" descr="preencoded.png"/>
+          <p:cNvPicPr>
+            <a:picLocks noChangeAspect="1"/>
+          </p:cNvPicPr>
+          <p:nvPr/>
+        </p:nvPicPr>
+        <p:blipFill>
+          <a:blip r:embed="rId3"/>
+          <a:stretch>
+            <a:fillRect/>
+          </a:stretch>
+        </p:blipFill>
+        <p:spPr>
+          <a:xfrm>
+            <a:off x="640080" y="2560320"/>
+            <a:ext cx="457200" cy="457200"/>
+          </a:xfrm>
+          <a:prstGeom prst="rect">
+            <a:avLst/>
+          </a:prstGeom>
+        </p:spPr>
+      </p:pic>
+      <p:sp>
+        <p:nvSpPr>
+          <p:cNvPr id="14" name="Text 11"/>
+          <p:cNvSpPr/>
+          <p:nvPr/>
+        </p:nvSpPr>
+        <p:spPr>
+          <a:xfrm>
+            <a:off x="1188720" y="2651760"/>
+            <a:ext cx="4439920" cy="1097280"/>
+          </a:xfrm>
+          <a:prstGeom prst="rect">
+            <a:avLst/>
+          </a:prstGeom>
+          <a:noFill/>
+          <a:ln/>
+        </p:spPr>
+        <p:txBody>
+          <a:bodyPr wrap="square" rtlCol="0" anchor="ctr"/>
+          <a:lstStyle/>
+          <a:p>
+            <a:pPr marL="342900" indent="-342900">
+              <a:buSzPct val="100000"/>
+              <a:buChar char="•"/>
+            </a:pPr>
+            <a:r>
+              <a:rPr lang="en-US" sz="1500" dirty="0">
+                <a:solidFill>
+                  <a:srgbClr val="2C3E50"/>
+                </a:solidFill>
+              </a:rPr>
+              <a:t>Каждый новый запрос включает всю историю</a:t>
+            </a:r>
+            <a:endParaRPr lang="en-US" sz="1500" dirty="0"/>
+          </a:p>
+          <a:p>
+            <a:pPr marL="342900" indent="-342900">
+              <a:buSzPct val="100000"/>
+              <a:buChar char="•"/>
+            </a:pPr>
+            <a:r>
+              <a:rPr lang="en-US" sz="1500" dirty="0">
+                <a:solidFill>
+                  <a:srgbClr val="2C3E50"/>
+                </a:solidFill>
+              </a:rPr>
+              <a:t>Чем длиннее история, тем дороже даже короткий ответ</a:t>
+            </a:r>
+            <a:endParaRPr lang="en-US" sz="1500" dirty="0"/>
+          </a:p>
+          <a:p>
+            <a:pPr marL="342900" indent="-342900">
+              <a:buSzPct val="100000"/>
+              <a:buChar char="•"/>
+            </a:pPr>
+            <a:r>
+              <a:rPr lang="en-US" sz="1500" dirty="0">
+                <a:solidFill>
+                  <a:srgbClr val="2C3E50"/>
+                </a:solidFill>
+              </a:rPr>
+              <a:t>Исключения: кэш и summarize</a:t>
+            </a:r>
+            <a:endParaRPr lang="en-US" sz="1500" dirty="0"/>
+          </a:p>
+        </p:txBody>
+      </p:sp>
+      <p:sp>
+        <p:nvSpPr>
+          <p:cNvPr id="15" name="Shape 12"/>
+          <p:cNvSpPr/>
+          <p:nvPr/>
+        </p:nvSpPr>
+        <p:spPr>
+          <a:xfrm>
+            <a:off x="2015067" y="4320540"/>
+            <a:ext cx="5486400" cy="548640"/>
+          </a:xfrm>
+          <a:prstGeom prst="rect">
+            <a:avLst/>
+          </a:prstGeom>
+          <a:solidFill>
+            <a:srgbClr val="FFC107">
+              <a:alpha val="80000"/>
+            </a:srgbClr>
+          </a:solidFill>
+          <a:ln/>
+        </p:spPr>
+      </p:sp>
+      <p:sp>
+        <p:nvSpPr>
+          <p:cNvPr id="16" name="Text 13"/>
+          <p:cNvSpPr/>
+          <p:nvPr/>
+        </p:nvSpPr>
+        <p:spPr>
+          <a:xfrm>
+            <a:off x="2015067" y="4320540"/>
+            <a:ext cx="5486400" cy="548640"/>
+          </a:xfrm>
+          <a:prstGeom prst="rect">
+            <a:avLst/>
+          </a:prstGeom>
+          <a:noFill/>
+          <a:ln/>
+        </p:spPr>
+        <p:txBody>
+          <a:bodyPr wrap="square" rtlCol="0" anchor="ctr"/>
+          <a:lstStyle/>
+          <a:p>
+            <a:pPr marL="0" indent="0" algn="ctr">
+              <a:buNone/>
+            </a:pPr>
+            <a:r>
+              <a:rPr lang="en-US" sz="1600" b="1" dirty="0">
+                <a:solidFill>
+                  <a:srgbClr val="2C3E50"/>
+                </a:solidFill>
+              </a:rPr>
+              <a:t>Длинный диалог = дороже каждое сообщение</a:t>
+            </a:r>
+            <a:endParaRPr lang="en-US" sz="1600" dirty="0"/>
+          </a:p>
+        </p:txBody>
+      </p:sp>
+      <p:pic>
+        <p:nvPicPr>
+          <p:cNvPr id="6146" name="Picture 2" descr="Создать комикс мем &quot;шутка за шуткой кролики, гифка шутка за шуткой, шутка  за шуткой заставка&quot; - Комиксы - Meme-arsenal.com">
+            <a:extLst>
+              <a:ext uri="{FF2B5EF4-FFF2-40B4-BE49-F238E27FC236}">
+                <a16:creationId xmlns:a16="http://schemas.microsoft.com/office/drawing/2014/main" id="{1A98F8B2-0C36-A913-FF3F-1DF2BB966D8B}"/>
+              </a:ext>
+            </a:extLst>
+          </p:cNvPr>
+          <p:cNvPicPr>
+            <a:picLocks noChangeAspect="1" noChangeArrowheads="1"/>
+          </p:cNvPicPr>
+          <p:nvPr/>
+        </p:nvPicPr>
+        <p:blipFill rotWithShape="1">
+          <a:blip r:embed="rId4">
+            <a:extLst>
+              <a:ext uri="{28A0092B-C50C-407E-A947-70E740481C1C}">
+                <a14:useLocalDpi xmlns:a14="http://schemas.microsoft.com/office/drawing/2010/main" val="0"/>
+              </a:ext>
+            </a:extLst>
+          </a:blip>
+          <a:srcRect l="11808" r="12116"/>
+          <a:stretch>
+            <a:fillRect/>
+          </a:stretch>
+        </p:blipFill>
+        <p:spPr bwMode="auto">
+          <a:xfrm>
+            <a:off x="6283515" y="2442961"/>
+            <a:ext cx="2403285" cy="1775343"/>
+          </a:xfrm>
+          <a:prstGeom prst="rect">
+            <a:avLst/>
+          </a:prstGeom>
+          <a:noFill/>
+          <a:extLst>
+            <a:ext uri="{909E8E84-426E-40DD-AFC4-6F175D3DCCD1}">
+              <a14:hiddenFill xmlns:a14="http://schemas.microsoft.com/office/drawing/2010/main">
+                <a:solidFill>
+                  <a:srgbClr val="FFFFFF"/>
+                </a:solidFill>
+              </a14:hiddenFill>
+            </a:ext>
+          </a:extLst>
+        </p:spPr>
+      </p:pic>
+    </p:spTree>
+  </p:cSld>
+  <p:clrMapOvr>
+    <a:masterClrMapping/>
+  </p:clrMapOvr>
+</p:sld>
+</file>
+
+<file path=ppt/slides/slide11.xml><?xml version="1.0" encoding="utf-8"?>
 <p:sld xmlns:a="http://schemas.openxmlformats.org/drawingml/2006/main" xmlns:r="http://schemas.openxmlformats.org/officeDocument/2006/relationships" xmlns:p="http://schemas.openxmlformats.org/presentationml/2006/main">
   <p:cSld name="Slide 10">
     <p:bg>
@@ -3669,7 +4320,7 @@
 </p:sld>
 </file>
 
-<file path=ppt/slides/slide11.xml><?xml version="1.0" encoding="utf-8"?>
+<file path=ppt/slides/slide12.xml><?xml version="1.0" encoding="utf-8"?>
 <p:sld xmlns:a="http://schemas.openxmlformats.org/drawingml/2006/main" xmlns:r="http://schemas.openxmlformats.org/officeDocument/2006/relationships" xmlns:p="http://schemas.openxmlformats.org/presentationml/2006/main">
   <p:cSld name="Slide 11">
     <p:bg>
@@ -4048,7 +4699,7 @@
 </p:sld>
 </file>
 
-<file path=ppt/slides/slide12.xml><?xml version="1.0" encoding="utf-8"?>
+<file path=ppt/slides/slide13.xml><?xml version="1.0" encoding="utf-8"?>
 <p:sld xmlns:a="http://schemas.openxmlformats.org/drawingml/2006/main" xmlns:r="http://schemas.openxmlformats.org/officeDocument/2006/relationships" xmlns:p="http://schemas.openxmlformats.org/presentationml/2006/main">
   <p:cSld name="Slide 12">
     <p:bg>
@@ -4481,7 +5132,7 @@
 </p:sld>
 </file>
 
-<file path=ppt/slides/slide13.xml><?xml version="1.0" encoding="utf-8"?>
+<file path=ppt/slides/slide14.xml><?xml version="1.0" encoding="utf-8"?>
 <p:sld xmlns:a="http://schemas.openxmlformats.org/drawingml/2006/main" xmlns:r="http://schemas.openxmlformats.org/officeDocument/2006/relationships" xmlns:p="http://schemas.openxmlformats.org/presentationml/2006/main">
   <p:cSld name="Slide 13">
     <p:bg>
@@ -4892,7 +5543,7 @@
 </p:sld>
 </file>
 
-<file path=ppt/slides/slide14.xml><?xml version="1.0" encoding="utf-8"?>
+<file path=ppt/slides/slide15.xml><?xml version="1.0" encoding="utf-8"?>
 <p:sld xmlns:a="http://schemas.openxmlformats.org/drawingml/2006/main" xmlns:r="http://schemas.openxmlformats.org/officeDocument/2006/relationships" xmlns:p="http://schemas.openxmlformats.org/presentationml/2006/main">
   <p:cSld name="Slide 14">
     <p:bg>
@@ -5225,7 +5876,7 @@
 </p:sld>
 </file>
 
-<file path=ppt/slides/slide15.xml><?xml version="1.0" encoding="utf-8"?>
+<file path=ppt/slides/slide16.xml><?xml version="1.0" encoding="utf-8"?>
 <p:sld xmlns:a="http://schemas.openxmlformats.org/drawingml/2006/main" xmlns:r="http://schemas.openxmlformats.org/officeDocument/2006/relationships" xmlns:p="http://schemas.openxmlformats.org/presentationml/2006/main">
   <p:cSld name="Slide 15">
     <p:bg>
@@ -5522,7 +6173,7 @@
 </p:sld>
 </file>
 
-<file path=ppt/slides/slide16.xml><?xml version="1.0" encoding="utf-8"?>
+<file path=ppt/slides/slide17.xml><?xml version="1.0" encoding="utf-8"?>
 <p:sld xmlns:a="http://schemas.openxmlformats.org/drawingml/2006/main" xmlns:r="http://schemas.openxmlformats.org/officeDocument/2006/relationships" xmlns:p="http://schemas.openxmlformats.org/presentationml/2006/main">
   <p:cSld name="Slide 16">
     <p:bg>
@@ -5942,7 +6593,7 @@
 </p:sld>
 </file>
 
-<file path=ppt/slides/slide17.xml><?xml version="1.0" encoding="utf-8"?>
+<file path=ppt/slides/slide18.xml><?xml version="1.0" encoding="utf-8"?>
 <p:sld xmlns:a="http://schemas.openxmlformats.org/drawingml/2006/main" xmlns:r="http://schemas.openxmlformats.org/officeDocument/2006/relationships" xmlns:p="http://schemas.openxmlformats.org/presentationml/2006/main">
   <p:cSld name="Slide 17">
     <p:bg>
@@ -6277,7 +6928,7 @@
 </p:sld>
 </file>
 
-<file path=ppt/slides/slide18.xml><?xml version="1.0" encoding="utf-8"?>
+<file path=ppt/slides/slide19.xml><?xml version="1.0" encoding="utf-8"?>
 <p:sld xmlns:a="http://schemas.openxmlformats.org/drawingml/2006/main" xmlns:r="http://schemas.openxmlformats.org/officeDocument/2006/relationships" xmlns:p="http://schemas.openxmlformats.org/presentationml/2006/main">
   <p:cSld name="Slide 18">
     <p:bg>
@@ -6592,818 +7243,6 @@
           </a:p>
         </p:txBody>
       </p:sp>
-    </p:spTree>
-  </p:cSld>
-  <p:clrMapOvr>
-    <a:masterClrMapping/>
-  </p:clrMapOvr>
-</p:sld>
-</file>
-
-<file path=ppt/slides/slide19.xml><?xml version="1.0" encoding="utf-8"?>
-<p:sld xmlns:a="http://schemas.openxmlformats.org/drawingml/2006/main" xmlns:r="http://schemas.openxmlformats.org/officeDocument/2006/relationships" xmlns:p="http://schemas.openxmlformats.org/presentationml/2006/main">
-  <p:cSld name="Slide 19">
-    <p:bg>
-      <p:bgPr>
-        <a:solidFill>
-          <a:srgbClr val="FFFFFF"/>
-        </a:solidFill>
-        <a:effectLst/>
-      </p:bgPr>
-    </p:bg>
-    <p:spTree>
-      <p:nvGrpSpPr>
-        <p:cNvPr id="1" name=""/>
-        <p:cNvGrpSpPr/>
-        <p:nvPr/>
-      </p:nvGrpSpPr>
-      <p:grpSpPr>
-        <a:xfrm>
-          <a:off x="0" y="0"/>
-          <a:ext cx="0" cy="0"/>
-          <a:chOff x="0" y="0"/>
-          <a:chExt cx="0" cy="0"/>
-        </a:xfrm>
-      </p:grpSpPr>
-      <p:sp>
-        <p:nvSpPr>
-          <p:cNvPr id="2" name="Text 0"/>
-          <p:cNvSpPr/>
-          <p:nvPr/>
-        </p:nvSpPr>
-        <p:spPr>
-          <a:xfrm>
-            <a:off x="457200" y="274320"/>
-            <a:ext cx="8229600" cy="548640"/>
-          </a:xfrm>
-          <a:prstGeom prst="rect">
-            <a:avLst/>
-          </a:prstGeom>
-          <a:noFill/>
-          <a:ln/>
-        </p:spPr>
-        <p:txBody>
-          <a:bodyPr wrap="square" lIns="0" tIns="0" rIns="0" bIns="0" rtlCol="0" anchor="ctr"/>
-          <a:lstStyle/>
-          <a:p>
-            <a:pPr marL="0" indent="0">
-              <a:buNone/>
-            </a:pPr>
-            <a:r>
-              <a:rPr lang="en-US" sz="3600" b="1" dirty="0">
-                <a:solidFill>
-                  <a:srgbClr val="1E2761"/>
-                </a:solidFill>
-              </a:rPr>
-              <a:t>Паттерны работы</a:t>
-            </a:r>
-            <a:endParaRPr lang="en-US" sz="3600" dirty="0"/>
-          </a:p>
-        </p:txBody>
-      </p:sp>
-      <p:pic>
-        <p:nvPicPr>
-          <p:cNvPr id="3" name="Image 0" descr="preencoded.png"/>
-          <p:cNvPicPr>
-            <a:picLocks noChangeAspect="1"/>
-          </p:cNvPicPr>
-          <p:nvPr/>
-        </p:nvPicPr>
-        <p:blipFill>
-          <a:blip r:embed="rId3"/>
-          <a:stretch>
-            <a:fillRect/>
-          </a:stretch>
-        </p:blipFill>
-        <p:spPr>
-          <a:xfrm>
-            <a:off x="914400" y="1188720"/>
-            <a:ext cx="548640" cy="548640"/>
-          </a:xfrm>
-          <a:prstGeom prst="rect">
-            <a:avLst/>
-          </a:prstGeom>
-        </p:spPr>
-      </p:pic>
-      <p:sp>
-        <p:nvSpPr>
-          <p:cNvPr id="4" name="Text 1"/>
-          <p:cNvSpPr/>
-          <p:nvPr/>
-        </p:nvSpPr>
-        <p:spPr>
-          <a:xfrm>
-            <a:off x="1645920" y="1325880"/>
-            <a:ext cx="5486400" cy="274320"/>
-          </a:xfrm>
-          <a:prstGeom prst="rect">
-            <a:avLst/>
-          </a:prstGeom>
-          <a:noFill/>
-          <a:ln/>
-        </p:spPr>
-        <p:txBody>
-          <a:bodyPr wrap="square" rtlCol="0" anchor="ctr"/>
-          <a:lstStyle/>
-          <a:p>
-            <a:pPr marL="0" indent="0">
-              <a:buNone/>
-            </a:pPr>
-            <a:r>
-              <a:rPr lang="en-US" sz="2000" b="1" dirty="0">
-                <a:solidFill>
-                  <a:srgbClr val="2C3E50"/>
-                </a:solidFill>
-              </a:rPr>
-              <a:t>Полный цикл работы</a:t>
-            </a:r>
-            <a:endParaRPr lang="en-US" sz="2000" dirty="0"/>
-          </a:p>
-        </p:txBody>
-      </p:sp>
-      <p:sp>
-        <p:nvSpPr>
-          <p:cNvPr id="5" name="Shape 2"/>
-          <p:cNvSpPr/>
-          <p:nvPr/>
-        </p:nvSpPr>
-        <p:spPr>
-          <a:xfrm>
-            <a:off x="1046480" y="3486191"/>
-            <a:ext cx="548640" cy="548640"/>
-          </a:xfrm>
-          <a:prstGeom prst="ellipse">
-            <a:avLst/>
-          </a:prstGeom>
-          <a:solidFill>
-            <a:srgbClr val="028090"/>
-          </a:solidFill>
-          <a:ln/>
-        </p:spPr>
-      </p:sp>
-      <p:sp>
-        <p:nvSpPr>
-          <p:cNvPr id="6" name="Text 3"/>
-          <p:cNvSpPr/>
-          <p:nvPr/>
-        </p:nvSpPr>
-        <p:spPr>
-          <a:xfrm>
-            <a:off x="1046480" y="3486191"/>
-            <a:ext cx="548640" cy="548640"/>
-          </a:xfrm>
-          <a:prstGeom prst="rect">
-            <a:avLst/>
-          </a:prstGeom>
-          <a:noFill/>
-          <a:ln/>
-        </p:spPr>
-        <p:txBody>
-          <a:bodyPr wrap="square" rtlCol="0" anchor="ctr"/>
-          <a:lstStyle/>
-          <a:p>
-            <a:pPr marL="0" indent="0" algn="ctr">
-              <a:buNone/>
-            </a:pPr>
-            <a:r>
-              <a:rPr lang="en-US" sz="2400" b="1" dirty="0">
-                <a:solidFill>
-                  <a:srgbClr val="FFFFFF"/>
-                </a:solidFill>
-              </a:rPr>
-              <a:t>1</a:t>
-            </a:r>
-            <a:endParaRPr lang="en-US" sz="2400" dirty="0"/>
-          </a:p>
-        </p:txBody>
-      </p:sp>
-      <p:sp>
-        <p:nvSpPr>
-          <p:cNvPr id="7" name="Text 4"/>
-          <p:cNvSpPr/>
-          <p:nvPr/>
-        </p:nvSpPr>
-        <p:spPr>
-          <a:xfrm>
-            <a:off x="606213" y="4171991"/>
-            <a:ext cx="1429173" cy="274320"/>
-          </a:xfrm>
-          <a:prstGeom prst="rect">
-            <a:avLst/>
-          </a:prstGeom>
-          <a:noFill/>
-          <a:ln/>
-        </p:spPr>
-        <p:txBody>
-          <a:bodyPr wrap="square" rtlCol="0" anchor="ctr"/>
-          <a:lstStyle/>
-          <a:p>
-            <a:pPr marL="0" indent="0" algn="ctr">
-              <a:buNone/>
-            </a:pPr>
-            <a:r>
-              <a:rPr lang="en-US" sz="1400" b="1" dirty="0">
-                <a:solidFill>
-                  <a:srgbClr val="2C3E50"/>
-                </a:solidFill>
-              </a:rPr>
-              <a:t>Планирование</a:t>
-            </a:r>
-            <a:endParaRPr lang="en-US" sz="1400" dirty="0"/>
-          </a:p>
-        </p:txBody>
-      </p:sp>
-      <p:sp>
-        <p:nvSpPr>
-          <p:cNvPr id="8" name="Text 5"/>
-          <p:cNvSpPr/>
-          <p:nvPr/>
-        </p:nvSpPr>
-        <p:spPr>
-          <a:xfrm>
-            <a:off x="772160" y="4492031"/>
-            <a:ext cx="1097280" cy="228600"/>
-          </a:xfrm>
-          <a:prstGeom prst="rect">
-            <a:avLst/>
-          </a:prstGeom>
-          <a:noFill/>
-          <a:ln/>
-        </p:spPr>
-        <p:txBody>
-          <a:bodyPr wrap="square" rtlCol="0" anchor="ctr"/>
-          <a:lstStyle/>
-          <a:p>
-            <a:pPr marL="0" indent="0" algn="ctr">
-              <a:buNone/>
-            </a:pPr>
-            <a:r>
-              <a:rPr lang="en-US" sz="1100" dirty="0">
-                <a:solidFill>
-                  <a:srgbClr val="64748B"/>
-                </a:solidFill>
-              </a:rPr>
-              <a:t>Декомпозиция задачи</a:t>
-            </a:r>
-            <a:endParaRPr lang="en-US" sz="1100" dirty="0"/>
-          </a:p>
-        </p:txBody>
-      </p:sp>
-      <p:sp>
-        <p:nvSpPr>
-          <p:cNvPr id="9" name="Shape 6"/>
-          <p:cNvSpPr/>
-          <p:nvPr/>
-        </p:nvSpPr>
-        <p:spPr>
-          <a:xfrm>
-            <a:off x="1778000" y="3760511"/>
-            <a:ext cx="1371600" cy="0"/>
-          </a:xfrm>
-          <a:prstGeom prst="line">
-            <a:avLst/>
-          </a:prstGeom>
-          <a:noFill/>
-          <a:ln w="25400">
-            <a:solidFill>
-              <a:srgbClr val="64748B"/>
-            </a:solidFill>
-            <a:prstDash val="dash"/>
-          </a:ln>
-        </p:spPr>
-      </p:sp>
-      <p:sp>
-        <p:nvSpPr>
-          <p:cNvPr id="10" name="Shape 7"/>
-          <p:cNvSpPr/>
-          <p:nvPr/>
-        </p:nvSpPr>
-        <p:spPr>
-          <a:xfrm>
-            <a:off x="3332480" y="3486191"/>
-            <a:ext cx="548640" cy="548640"/>
-          </a:xfrm>
-          <a:prstGeom prst="ellipse">
-            <a:avLst/>
-          </a:prstGeom>
-          <a:solidFill>
-            <a:srgbClr val="00A896"/>
-          </a:solidFill>
-          <a:ln/>
-        </p:spPr>
-      </p:sp>
-      <p:sp>
-        <p:nvSpPr>
-          <p:cNvPr id="11" name="Text 8"/>
-          <p:cNvSpPr/>
-          <p:nvPr/>
-        </p:nvSpPr>
-        <p:spPr>
-          <a:xfrm>
-            <a:off x="3332480" y="3486191"/>
-            <a:ext cx="548640" cy="548640"/>
-          </a:xfrm>
-          <a:prstGeom prst="rect">
-            <a:avLst/>
-          </a:prstGeom>
-          <a:noFill/>
-          <a:ln/>
-        </p:spPr>
-        <p:txBody>
-          <a:bodyPr wrap="square" rtlCol="0" anchor="ctr"/>
-          <a:lstStyle/>
-          <a:p>
-            <a:pPr marL="0" indent="0" algn="ctr">
-              <a:buNone/>
-            </a:pPr>
-            <a:r>
-              <a:rPr lang="en-US" sz="2400" b="1" dirty="0">
-                <a:solidFill>
-                  <a:srgbClr val="FFFFFF"/>
-                </a:solidFill>
-              </a:rPr>
-              <a:t>2</a:t>
-            </a:r>
-            <a:endParaRPr lang="en-US" sz="2400" dirty="0"/>
-          </a:p>
-        </p:txBody>
-      </p:sp>
-      <p:sp>
-        <p:nvSpPr>
-          <p:cNvPr id="12" name="Text 9"/>
-          <p:cNvSpPr/>
-          <p:nvPr/>
-        </p:nvSpPr>
-        <p:spPr>
-          <a:xfrm>
-            <a:off x="3058160" y="4171991"/>
-            <a:ext cx="1097280" cy="274320"/>
-          </a:xfrm>
-          <a:prstGeom prst="rect">
-            <a:avLst/>
-          </a:prstGeom>
-          <a:noFill/>
-          <a:ln/>
-        </p:spPr>
-        <p:txBody>
-          <a:bodyPr wrap="square" rtlCol="0" anchor="ctr"/>
-          <a:lstStyle/>
-          <a:p>
-            <a:pPr marL="0" indent="0" algn="ctr">
-              <a:buNone/>
-            </a:pPr>
-            <a:r>
-              <a:rPr lang="en-US" sz="1400" b="1" dirty="0">
-                <a:solidFill>
-                  <a:srgbClr val="2C3E50"/>
-                </a:solidFill>
-              </a:rPr>
-              <a:t>Реализация</a:t>
-            </a:r>
-            <a:endParaRPr lang="en-US" sz="1400" dirty="0"/>
-          </a:p>
-        </p:txBody>
-      </p:sp>
-      <p:sp>
-        <p:nvSpPr>
-          <p:cNvPr id="13" name="Text 10"/>
-          <p:cNvSpPr/>
-          <p:nvPr/>
-        </p:nvSpPr>
-        <p:spPr>
-          <a:xfrm>
-            <a:off x="3058160" y="4492031"/>
-            <a:ext cx="1097280" cy="228600"/>
-          </a:xfrm>
-          <a:prstGeom prst="rect">
-            <a:avLst/>
-          </a:prstGeom>
-          <a:noFill/>
-          <a:ln/>
-        </p:spPr>
-        <p:txBody>
-          <a:bodyPr wrap="square" rtlCol="0" anchor="ctr"/>
-          <a:lstStyle/>
-          <a:p>
-            <a:pPr marL="0" indent="0" algn="ctr">
-              <a:buNone/>
-            </a:pPr>
-            <a:r>
-              <a:rPr lang="en-US" sz="1100" dirty="0">
-                <a:solidFill>
-                  <a:srgbClr val="64748B"/>
-                </a:solidFill>
-              </a:rPr>
-              <a:t>Генерация кода</a:t>
-            </a:r>
-            <a:endParaRPr lang="en-US" sz="1100" dirty="0"/>
-          </a:p>
-        </p:txBody>
-      </p:sp>
-      <p:sp>
-        <p:nvSpPr>
-          <p:cNvPr id="14" name="Shape 11"/>
-          <p:cNvSpPr/>
-          <p:nvPr/>
-        </p:nvSpPr>
-        <p:spPr>
-          <a:xfrm>
-            <a:off x="4064000" y="3760511"/>
-            <a:ext cx="1371600" cy="0"/>
-          </a:xfrm>
-          <a:prstGeom prst="line">
-            <a:avLst/>
-          </a:prstGeom>
-          <a:noFill/>
-          <a:ln w="25400">
-            <a:solidFill>
-              <a:srgbClr val="64748B"/>
-            </a:solidFill>
-            <a:prstDash val="dash"/>
-          </a:ln>
-        </p:spPr>
-      </p:sp>
-      <p:sp>
-        <p:nvSpPr>
-          <p:cNvPr id="15" name="Shape 12"/>
-          <p:cNvSpPr/>
-          <p:nvPr/>
-        </p:nvSpPr>
-        <p:spPr>
-          <a:xfrm>
-            <a:off x="5618480" y="3486191"/>
-            <a:ext cx="548640" cy="548640"/>
-          </a:xfrm>
-          <a:prstGeom prst="ellipse">
-            <a:avLst/>
-          </a:prstGeom>
-          <a:solidFill>
-            <a:srgbClr val="02C39A"/>
-          </a:solidFill>
-          <a:ln/>
-        </p:spPr>
-      </p:sp>
-      <p:sp>
-        <p:nvSpPr>
-          <p:cNvPr id="16" name="Text 13"/>
-          <p:cNvSpPr/>
-          <p:nvPr/>
-        </p:nvSpPr>
-        <p:spPr>
-          <a:xfrm>
-            <a:off x="5618480" y="3486191"/>
-            <a:ext cx="548640" cy="548640"/>
-          </a:xfrm>
-          <a:prstGeom prst="rect">
-            <a:avLst/>
-          </a:prstGeom>
-          <a:noFill/>
-          <a:ln/>
-        </p:spPr>
-        <p:txBody>
-          <a:bodyPr wrap="square" rtlCol="0" anchor="ctr"/>
-          <a:lstStyle/>
-          <a:p>
-            <a:pPr marL="0" indent="0" algn="ctr">
-              <a:buNone/>
-            </a:pPr>
-            <a:r>
-              <a:rPr lang="en-US" sz="2400" b="1" dirty="0">
-                <a:solidFill>
-                  <a:srgbClr val="FFFFFF"/>
-                </a:solidFill>
-              </a:rPr>
-              <a:t>3</a:t>
-            </a:r>
-            <a:endParaRPr lang="en-US" sz="2400" dirty="0"/>
-          </a:p>
-        </p:txBody>
-      </p:sp>
-      <p:sp>
-        <p:nvSpPr>
-          <p:cNvPr id="17" name="Text 14"/>
-          <p:cNvSpPr/>
-          <p:nvPr/>
-        </p:nvSpPr>
-        <p:spPr>
-          <a:xfrm>
-            <a:off x="5344160" y="4171991"/>
-            <a:ext cx="1097280" cy="274320"/>
-          </a:xfrm>
-          <a:prstGeom prst="rect">
-            <a:avLst/>
-          </a:prstGeom>
-          <a:noFill/>
-          <a:ln/>
-        </p:spPr>
-        <p:txBody>
-          <a:bodyPr wrap="square" rtlCol="0" anchor="ctr"/>
-          <a:lstStyle/>
-          <a:p>
-            <a:pPr marL="0" indent="0" algn="ctr">
-              <a:buNone/>
-            </a:pPr>
-            <a:r>
-              <a:rPr lang="en-US" sz="1400" b="1" dirty="0">
-                <a:solidFill>
-                  <a:srgbClr val="2C3E50"/>
-                </a:solidFill>
-              </a:rPr>
-              <a:t>Контроль</a:t>
-            </a:r>
-            <a:endParaRPr lang="en-US" sz="1400" dirty="0"/>
-          </a:p>
-        </p:txBody>
-      </p:sp>
-      <p:sp>
-        <p:nvSpPr>
-          <p:cNvPr id="18" name="Text 15"/>
-          <p:cNvSpPr/>
-          <p:nvPr/>
-        </p:nvSpPr>
-        <p:spPr>
-          <a:xfrm>
-            <a:off x="5344160" y="4492031"/>
-            <a:ext cx="1097280" cy="228600"/>
-          </a:xfrm>
-          <a:prstGeom prst="rect">
-            <a:avLst/>
-          </a:prstGeom>
-          <a:noFill/>
-          <a:ln/>
-        </p:spPr>
-        <p:txBody>
-          <a:bodyPr wrap="square" rtlCol="0" anchor="ctr"/>
-          <a:lstStyle/>
-          <a:p>
-            <a:pPr marL="0" indent="0" algn="ctr">
-              <a:buNone/>
-            </a:pPr>
-            <a:r>
-              <a:rPr lang="en-US" sz="1100" dirty="0">
-                <a:solidFill>
-                  <a:srgbClr val="64748B"/>
-                </a:solidFill>
-              </a:rPr>
-              <a:t>Проверка и ревью</a:t>
-            </a:r>
-            <a:endParaRPr lang="en-US" sz="1100" dirty="0"/>
-          </a:p>
-        </p:txBody>
-      </p:sp>
-      <p:sp>
-        <p:nvSpPr>
-          <p:cNvPr id="19" name="Text 16"/>
-          <p:cNvSpPr/>
-          <p:nvPr/>
-        </p:nvSpPr>
-        <p:spPr>
-          <a:xfrm>
-            <a:off x="772160" y="1720235"/>
-            <a:ext cx="7772400" cy="1097280"/>
-          </a:xfrm>
-          <a:prstGeom prst="rect">
-            <a:avLst/>
-          </a:prstGeom>
-          <a:noFill/>
-          <a:ln/>
-        </p:spPr>
-        <p:txBody>
-          <a:bodyPr wrap="square" rtlCol="0" anchor="ctr"/>
-          <a:lstStyle/>
-          <a:p>
-            <a:pPr marL="342900" indent="-342900">
-              <a:buSzPct val="100000"/>
-              <a:buChar char="•"/>
-            </a:pPr>
-            <a:r>
-              <a:rPr lang="en-US" sz="1400" dirty="0">
-                <a:solidFill>
-                  <a:srgbClr val="2C3E50"/>
-                </a:solidFill>
-              </a:rPr>
-              <a:t>Декомпозиция задач на подзадачи</a:t>
-            </a:r>
-            <a:endParaRPr lang="en-US" sz="1400" dirty="0"/>
-          </a:p>
-          <a:p>
-            <a:pPr marL="342900" indent="-342900">
-              <a:buSzPct val="100000"/>
-              <a:buChar char="•"/>
-            </a:pPr>
-            <a:r>
-              <a:rPr lang="en-US" sz="1400" dirty="0">
-                <a:solidFill>
-                  <a:srgbClr val="2C3E50"/>
-                </a:solidFill>
-              </a:rPr>
-              <a:t>Итерации и ревью после каждого этапа</a:t>
-            </a:r>
-            <a:endParaRPr lang="en-US" sz="1400" dirty="0"/>
-          </a:p>
-          <a:p>
-            <a:pPr marL="342900" indent="-342900">
-              <a:buSzPct val="100000"/>
-              <a:buChar char="•"/>
-            </a:pPr>
-            <a:r>
-              <a:rPr lang="en-US" sz="1400" dirty="0">
-                <a:solidFill>
-                  <a:srgbClr val="2C3E50"/>
-                </a:solidFill>
-              </a:rPr>
-              <a:t>Когда останавливаться? Когда критерии выполнены</a:t>
-            </a:r>
-            <a:endParaRPr lang="en-US" sz="1400" dirty="0"/>
-          </a:p>
-        </p:txBody>
-      </p:sp>
-      <p:sp>
-        <p:nvSpPr>
-          <p:cNvPr id="20" name="Shape 12">
-            <a:extLst>
-              <a:ext uri="{FF2B5EF4-FFF2-40B4-BE49-F238E27FC236}">
-                <a16:creationId xmlns:a16="http://schemas.microsoft.com/office/drawing/2014/main" id="{A253CDE8-61CE-7FF5-2901-3FBAA76AE0C9}"/>
-              </a:ext>
-            </a:extLst>
-          </p:cNvPr>
-          <p:cNvSpPr/>
-          <p:nvPr/>
-        </p:nvSpPr>
-        <p:spPr>
-          <a:xfrm>
-            <a:off x="7752079" y="3486191"/>
-            <a:ext cx="548640" cy="548640"/>
-          </a:xfrm>
-          <a:prstGeom prst="ellipse">
-            <a:avLst/>
-          </a:prstGeom>
-          <a:solidFill>
-            <a:srgbClr val="02C39A"/>
-          </a:solidFill>
-          <a:ln/>
-        </p:spPr>
-      </p:sp>
-      <p:sp>
-        <p:nvSpPr>
-          <p:cNvPr id="21" name="Shape 11">
-            <a:extLst>
-              <a:ext uri="{FF2B5EF4-FFF2-40B4-BE49-F238E27FC236}">
-                <a16:creationId xmlns:a16="http://schemas.microsoft.com/office/drawing/2014/main" id="{E1FEDEB7-4B21-BAE3-D622-6FFBBF1AC5A9}"/>
-              </a:ext>
-            </a:extLst>
-          </p:cNvPr>
-          <p:cNvSpPr/>
-          <p:nvPr/>
-        </p:nvSpPr>
-        <p:spPr>
-          <a:xfrm>
-            <a:off x="6282266" y="3760511"/>
-            <a:ext cx="1371600" cy="0"/>
-          </a:xfrm>
-          <a:prstGeom prst="line">
-            <a:avLst/>
-          </a:prstGeom>
-          <a:noFill/>
-          <a:ln w="25400">
-            <a:solidFill>
-              <a:srgbClr val="64748B"/>
-            </a:solidFill>
-            <a:prstDash val="dash"/>
-          </a:ln>
-        </p:spPr>
-      </p:sp>
-      <p:sp>
-        <p:nvSpPr>
-          <p:cNvPr id="22" name="Text 13">
-            <a:extLst>
-              <a:ext uri="{FF2B5EF4-FFF2-40B4-BE49-F238E27FC236}">
-                <a16:creationId xmlns:a16="http://schemas.microsoft.com/office/drawing/2014/main" id="{6FDC51FD-CD77-8024-687F-8F0D55EC6D0B}"/>
-              </a:ext>
-            </a:extLst>
-          </p:cNvPr>
-          <p:cNvSpPr/>
-          <p:nvPr/>
-        </p:nvSpPr>
-        <p:spPr>
-          <a:xfrm>
-            <a:off x="7752079" y="3486191"/>
-            <a:ext cx="548640" cy="548640"/>
-          </a:xfrm>
-          <a:prstGeom prst="rect">
-            <a:avLst/>
-          </a:prstGeom>
-          <a:noFill/>
-          <a:ln/>
-        </p:spPr>
-        <p:txBody>
-          <a:bodyPr wrap="square" rtlCol="0" anchor="ctr"/>
-          <a:lstStyle/>
-          <a:p>
-            <a:pPr marL="0" indent="0" algn="ctr">
-              <a:buNone/>
-            </a:pPr>
-            <a:r>
-              <a:rPr lang="ru-RU" sz="2400" b="1" dirty="0">
-                <a:solidFill>
-                  <a:srgbClr val="FFFFFF"/>
-                </a:solidFill>
-              </a:rPr>
-              <a:t>4</a:t>
-            </a:r>
-            <a:endParaRPr lang="en-US" sz="2400" dirty="0"/>
-          </a:p>
-        </p:txBody>
-      </p:sp>
-      <p:sp>
-        <p:nvSpPr>
-          <p:cNvPr id="24" name="Text 14">
-            <a:extLst>
-              <a:ext uri="{FF2B5EF4-FFF2-40B4-BE49-F238E27FC236}">
-                <a16:creationId xmlns:a16="http://schemas.microsoft.com/office/drawing/2014/main" id="{2FB6E64D-FD46-E4A0-0FC3-797CD92B0342}"/>
-              </a:ext>
-            </a:extLst>
-          </p:cNvPr>
-          <p:cNvSpPr/>
-          <p:nvPr/>
-        </p:nvSpPr>
-        <p:spPr>
-          <a:xfrm>
-            <a:off x="7477759" y="4171991"/>
-            <a:ext cx="1097280" cy="274320"/>
-          </a:xfrm>
-          <a:prstGeom prst="rect">
-            <a:avLst/>
-          </a:prstGeom>
-          <a:noFill/>
-          <a:ln/>
-        </p:spPr>
-        <p:txBody>
-          <a:bodyPr wrap="square" rtlCol="0" anchor="ctr"/>
-          <a:lstStyle/>
-          <a:p>
-            <a:pPr marL="0" indent="0" algn="ctr">
-              <a:buNone/>
-            </a:pPr>
-            <a:r>
-              <a:rPr lang="ru-RU" sz="1400" b="1" dirty="0">
-                <a:solidFill>
-                  <a:srgbClr val="2C3E50"/>
-                </a:solidFill>
-              </a:rPr>
-              <a:t>Повторить</a:t>
-            </a:r>
-            <a:endParaRPr lang="en-US" sz="1400" dirty="0"/>
-          </a:p>
-        </p:txBody>
-      </p:sp>
-      <p:pic>
-        <p:nvPicPr>
-          <p:cNvPr id="5122" name="Picture 2" descr="Picture background">
-            <a:extLst>
-              <a:ext uri="{FF2B5EF4-FFF2-40B4-BE49-F238E27FC236}">
-                <a16:creationId xmlns:a16="http://schemas.microsoft.com/office/drawing/2014/main" id="{6F72E9FC-8D31-2F5C-BE55-24D9F028F6DB}"/>
-              </a:ext>
-            </a:extLst>
-          </p:cNvPr>
-          <p:cNvPicPr>
-            <a:picLocks noChangeAspect="1" noChangeArrowheads="1"/>
-          </p:cNvPicPr>
-          <p:nvPr/>
-        </p:nvPicPr>
-        <p:blipFill>
-          <a:blip r:embed="rId4">
-            <a:extLst>
-              <a:ext uri="{28A0092B-C50C-407E-A947-70E740481C1C}">
-                <a14:useLocalDpi xmlns:a14="http://schemas.microsoft.com/office/drawing/2010/main" val="0"/>
-              </a:ext>
-            </a:extLst>
-          </a:blip>
-          <a:srcRect/>
-          <a:stretch>
-            <a:fillRect/>
-          </a:stretch>
-        </p:blipFill>
-        <p:spPr bwMode="auto">
-          <a:xfrm>
-            <a:off x="6015619" y="293414"/>
-            <a:ext cx="2599161" cy="3055617"/>
-          </a:xfrm>
-          <a:prstGeom prst="rect">
-            <a:avLst/>
-          </a:prstGeom>
-          <a:noFill/>
-          <a:extLst>
-            <a:ext uri="{909E8E84-426E-40DD-AFC4-6F175D3DCCD1}">
-              <a14:hiddenFill xmlns:a14="http://schemas.microsoft.com/office/drawing/2010/main">
-                <a:solidFill>
-                  <a:srgbClr val="FFFFFF"/>
-                </a:solidFill>
-              </a14:hiddenFill>
-            </a:ext>
-          </a:extLst>
-        </p:spPr>
-      </p:pic>
     </p:spTree>
   </p:cSld>
   <p:clrMapOvr>
@@ -7844,6 +7683,818 @@
 
 <file path=ppt/slides/slide20.xml><?xml version="1.0" encoding="utf-8"?>
 <p:sld xmlns:a="http://schemas.openxmlformats.org/drawingml/2006/main" xmlns:r="http://schemas.openxmlformats.org/officeDocument/2006/relationships" xmlns:p="http://schemas.openxmlformats.org/presentationml/2006/main">
+  <p:cSld name="Slide 19">
+    <p:bg>
+      <p:bgPr>
+        <a:solidFill>
+          <a:srgbClr val="FFFFFF"/>
+        </a:solidFill>
+        <a:effectLst/>
+      </p:bgPr>
+    </p:bg>
+    <p:spTree>
+      <p:nvGrpSpPr>
+        <p:cNvPr id="1" name=""/>
+        <p:cNvGrpSpPr/>
+        <p:nvPr/>
+      </p:nvGrpSpPr>
+      <p:grpSpPr>
+        <a:xfrm>
+          <a:off x="0" y="0"/>
+          <a:ext cx="0" cy="0"/>
+          <a:chOff x="0" y="0"/>
+          <a:chExt cx="0" cy="0"/>
+        </a:xfrm>
+      </p:grpSpPr>
+      <p:sp>
+        <p:nvSpPr>
+          <p:cNvPr id="2" name="Text 0"/>
+          <p:cNvSpPr/>
+          <p:nvPr/>
+        </p:nvSpPr>
+        <p:spPr>
+          <a:xfrm>
+            <a:off x="457200" y="274320"/>
+            <a:ext cx="8229600" cy="548640"/>
+          </a:xfrm>
+          <a:prstGeom prst="rect">
+            <a:avLst/>
+          </a:prstGeom>
+          <a:noFill/>
+          <a:ln/>
+        </p:spPr>
+        <p:txBody>
+          <a:bodyPr wrap="square" lIns="0" tIns="0" rIns="0" bIns="0" rtlCol="0" anchor="ctr"/>
+          <a:lstStyle/>
+          <a:p>
+            <a:pPr marL="0" indent="0">
+              <a:buNone/>
+            </a:pPr>
+            <a:r>
+              <a:rPr lang="en-US" sz="3600" b="1" dirty="0">
+                <a:solidFill>
+                  <a:srgbClr val="1E2761"/>
+                </a:solidFill>
+              </a:rPr>
+              <a:t>Паттерны работы</a:t>
+            </a:r>
+            <a:endParaRPr lang="en-US" sz="3600" dirty="0"/>
+          </a:p>
+        </p:txBody>
+      </p:sp>
+      <p:pic>
+        <p:nvPicPr>
+          <p:cNvPr id="3" name="Image 0" descr="preencoded.png"/>
+          <p:cNvPicPr>
+            <a:picLocks noChangeAspect="1"/>
+          </p:cNvPicPr>
+          <p:nvPr/>
+        </p:nvPicPr>
+        <p:blipFill>
+          <a:blip r:embed="rId3"/>
+          <a:stretch>
+            <a:fillRect/>
+          </a:stretch>
+        </p:blipFill>
+        <p:spPr>
+          <a:xfrm>
+            <a:off x="914400" y="1188720"/>
+            <a:ext cx="548640" cy="548640"/>
+          </a:xfrm>
+          <a:prstGeom prst="rect">
+            <a:avLst/>
+          </a:prstGeom>
+        </p:spPr>
+      </p:pic>
+      <p:sp>
+        <p:nvSpPr>
+          <p:cNvPr id="4" name="Text 1"/>
+          <p:cNvSpPr/>
+          <p:nvPr/>
+        </p:nvSpPr>
+        <p:spPr>
+          <a:xfrm>
+            <a:off x="1645920" y="1325880"/>
+            <a:ext cx="5486400" cy="274320"/>
+          </a:xfrm>
+          <a:prstGeom prst="rect">
+            <a:avLst/>
+          </a:prstGeom>
+          <a:noFill/>
+          <a:ln/>
+        </p:spPr>
+        <p:txBody>
+          <a:bodyPr wrap="square" rtlCol="0" anchor="ctr"/>
+          <a:lstStyle/>
+          <a:p>
+            <a:pPr marL="0" indent="0">
+              <a:buNone/>
+            </a:pPr>
+            <a:r>
+              <a:rPr lang="en-US" sz="2000" b="1" dirty="0">
+                <a:solidFill>
+                  <a:srgbClr val="2C3E50"/>
+                </a:solidFill>
+              </a:rPr>
+              <a:t>Полный цикл работы</a:t>
+            </a:r>
+            <a:endParaRPr lang="en-US" sz="2000" dirty="0"/>
+          </a:p>
+        </p:txBody>
+      </p:sp>
+      <p:sp>
+        <p:nvSpPr>
+          <p:cNvPr id="5" name="Shape 2"/>
+          <p:cNvSpPr/>
+          <p:nvPr/>
+        </p:nvSpPr>
+        <p:spPr>
+          <a:xfrm>
+            <a:off x="1046480" y="3486191"/>
+            <a:ext cx="548640" cy="548640"/>
+          </a:xfrm>
+          <a:prstGeom prst="ellipse">
+            <a:avLst/>
+          </a:prstGeom>
+          <a:solidFill>
+            <a:srgbClr val="028090"/>
+          </a:solidFill>
+          <a:ln/>
+        </p:spPr>
+      </p:sp>
+      <p:sp>
+        <p:nvSpPr>
+          <p:cNvPr id="6" name="Text 3"/>
+          <p:cNvSpPr/>
+          <p:nvPr/>
+        </p:nvSpPr>
+        <p:spPr>
+          <a:xfrm>
+            <a:off x="1046480" y="3486191"/>
+            <a:ext cx="548640" cy="548640"/>
+          </a:xfrm>
+          <a:prstGeom prst="rect">
+            <a:avLst/>
+          </a:prstGeom>
+          <a:noFill/>
+          <a:ln/>
+        </p:spPr>
+        <p:txBody>
+          <a:bodyPr wrap="square" rtlCol="0" anchor="ctr"/>
+          <a:lstStyle/>
+          <a:p>
+            <a:pPr marL="0" indent="0" algn="ctr">
+              <a:buNone/>
+            </a:pPr>
+            <a:r>
+              <a:rPr lang="en-US" sz="2400" b="1" dirty="0">
+                <a:solidFill>
+                  <a:srgbClr val="FFFFFF"/>
+                </a:solidFill>
+              </a:rPr>
+              <a:t>1</a:t>
+            </a:r>
+            <a:endParaRPr lang="en-US" sz="2400" dirty="0"/>
+          </a:p>
+        </p:txBody>
+      </p:sp>
+      <p:sp>
+        <p:nvSpPr>
+          <p:cNvPr id="7" name="Text 4"/>
+          <p:cNvSpPr/>
+          <p:nvPr/>
+        </p:nvSpPr>
+        <p:spPr>
+          <a:xfrm>
+            <a:off x="606213" y="4171991"/>
+            <a:ext cx="1429173" cy="274320"/>
+          </a:xfrm>
+          <a:prstGeom prst="rect">
+            <a:avLst/>
+          </a:prstGeom>
+          <a:noFill/>
+          <a:ln/>
+        </p:spPr>
+        <p:txBody>
+          <a:bodyPr wrap="square" rtlCol="0" anchor="ctr"/>
+          <a:lstStyle/>
+          <a:p>
+            <a:pPr marL="0" indent="0" algn="ctr">
+              <a:buNone/>
+            </a:pPr>
+            <a:r>
+              <a:rPr lang="en-US" sz="1400" b="1" dirty="0">
+                <a:solidFill>
+                  <a:srgbClr val="2C3E50"/>
+                </a:solidFill>
+              </a:rPr>
+              <a:t>Планирование</a:t>
+            </a:r>
+            <a:endParaRPr lang="en-US" sz="1400" dirty="0"/>
+          </a:p>
+        </p:txBody>
+      </p:sp>
+      <p:sp>
+        <p:nvSpPr>
+          <p:cNvPr id="8" name="Text 5"/>
+          <p:cNvSpPr/>
+          <p:nvPr/>
+        </p:nvSpPr>
+        <p:spPr>
+          <a:xfrm>
+            <a:off x="772160" y="4492031"/>
+            <a:ext cx="1097280" cy="228600"/>
+          </a:xfrm>
+          <a:prstGeom prst="rect">
+            <a:avLst/>
+          </a:prstGeom>
+          <a:noFill/>
+          <a:ln/>
+        </p:spPr>
+        <p:txBody>
+          <a:bodyPr wrap="square" rtlCol="0" anchor="ctr"/>
+          <a:lstStyle/>
+          <a:p>
+            <a:pPr marL="0" indent="0" algn="ctr">
+              <a:buNone/>
+            </a:pPr>
+            <a:r>
+              <a:rPr lang="en-US" sz="1100" dirty="0">
+                <a:solidFill>
+                  <a:srgbClr val="64748B"/>
+                </a:solidFill>
+              </a:rPr>
+              <a:t>Декомпозиция задачи</a:t>
+            </a:r>
+            <a:endParaRPr lang="en-US" sz="1100" dirty="0"/>
+          </a:p>
+        </p:txBody>
+      </p:sp>
+      <p:sp>
+        <p:nvSpPr>
+          <p:cNvPr id="9" name="Shape 6"/>
+          <p:cNvSpPr/>
+          <p:nvPr/>
+        </p:nvSpPr>
+        <p:spPr>
+          <a:xfrm>
+            <a:off x="1778000" y="3760511"/>
+            <a:ext cx="1371600" cy="0"/>
+          </a:xfrm>
+          <a:prstGeom prst="line">
+            <a:avLst/>
+          </a:prstGeom>
+          <a:noFill/>
+          <a:ln w="25400">
+            <a:solidFill>
+              <a:srgbClr val="64748B"/>
+            </a:solidFill>
+            <a:prstDash val="dash"/>
+          </a:ln>
+        </p:spPr>
+      </p:sp>
+      <p:sp>
+        <p:nvSpPr>
+          <p:cNvPr id="10" name="Shape 7"/>
+          <p:cNvSpPr/>
+          <p:nvPr/>
+        </p:nvSpPr>
+        <p:spPr>
+          <a:xfrm>
+            <a:off x="3332480" y="3486191"/>
+            <a:ext cx="548640" cy="548640"/>
+          </a:xfrm>
+          <a:prstGeom prst="ellipse">
+            <a:avLst/>
+          </a:prstGeom>
+          <a:solidFill>
+            <a:srgbClr val="00A896"/>
+          </a:solidFill>
+          <a:ln/>
+        </p:spPr>
+      </p:sp>
+      <p:sp>
+        <p:nvSpPr>
+          <p:cNvPr id="11" name="Text 8"/>
+          <p:cNvSpPr/>
+          <p:nvPr/>
+        </p:nvSpPr>
+        <p:spPr>
+          <a:xfrm>
+            <a:off x="3332480" y="3486191"/>
+            <a:ext cx="548640" cy="548640"/>
+          </a:xfrm>
+          <a:prstGeom prst="rect">
+            <a:avLst/>
+          </a:prstGeom>
+          <a:noFill/>
+          <a:ln/>
+        </p:spPr>
+        <p:txBody>
+          <a:bodyPr wrap="square" rtlCol="0" anchor="ctr"/>
+          <a:lstStyle/>
+          <a:p>
+            <a:pPr marL="0" indent="0" algn="ctr">
+              <a:buNone/>
+            </a:pPr>
+            <a:r>
+              <a:rPr lang="en-US" sz="2400" b="1" dirty="0">
+                <a:solidFill>
+                  <a:srgbClr val="FFFFFF"/>
+                </a:solidFill>
+              </a:rPr>
+              <a:t>2</a:t>
+            </a:r>
+            <a:endParaRPr lang="en-US" sz="2400" dirty="0"/>
+          </a:p>
+        </p:txBody>
+      </p:sp>
+      <p:sp>
+        <p:nvSpPr>
+          <p:cNvPr id="12" name="Text 9"/>
+          <p:cNvSpPr/>
+          <p:nvPr/>
+        </p:nvSpPr>
+        <p:spPr>
+          <a:xfrm>
+            <a:off x="3058160" y="4171991"/>
+            <a:ext cx="1097280" cy="274320"/>
+          </a:xfrm>
+          <a:prstGeom prst="rect">
+            <a:avLst/>
+          </a:prstGeom>
+          <a:noFill/>
+          <a:ln/>
+        </p:spPr>
+        <p:txBody>
+          <a:bodyPr wrap="square" rtlCol="0" anchor="ctr"/>
+          <a:lstStyle/>
+          <a:p>
+            <a:pPr marL="0" indent="0" algn="ctr">
+              <a:buNone/>
+            </a:pPr>
+            <a:r>
+              <a:rPr lang="en-US" sz="1400" b="1" dirty="0">
+                <a:solidFill>
+                  <a:srgbClr val="2C3E50"/>
+                </a:solidFill>
+              </a:rPr>
+              <a:t>Реализация</a:t>
+            </a:r>
+            <a:endParaRPr lang="en-US" sz="1400" dirty="0"/>
+          </a:p>
+        </p:txBody>
+      </p:sp>
+      <p:sp>
+        <p:nvSpPr>
+          <p:cNvPr id="13" name="Text 10"/>
+          <p:cNvSpPr/>
+          <p:nvPr/>
+        </p:nvSpPr>
+        <p:spPr>
+          <a:xfrm>
+            <a:off x="3058160" y="4492031"/>
+            <a:ext cx="1097280" cy="228600"/>
+          </a:xfrm>
+          <a:prstGeom prst="rect">
+            <a:avLst/>
+          </a:prstGeom>
+          <a:noFill/>
+          <a:ln/>
+        </p:spPr>
+        <p:txBody>
+          <a:bodyPr wrap="square" rtlCol="0" anchor="ctr"/>
+          <a:lstStyle/>
+          <a:p>
+            <a:pPr marL="0" indent="0" algn="ctr">
+              <a:buNone/>
+            </a:pPr>
+            <a:r>
+              <a:rPr lang="en-US" sz="1100" dirty="0">
+                <a:solidFill>
+                  <a:srgbClr val="64748B"/>
+                </a:solidFill>
+              </a:rPr>
+              <a:t>Генерация кода</a:t>
+            </a:r>
+            <a:endParaRPr lang="en-US" sz="1100" dirty="0"/>
+          </a:p>
+        </p:txBody>
+      </p:sp>
+      <p:sp>
+        <p:nvSpPr>
+          <p:cNvPr id="14" name="Shape 11"/>
+          <p:cNvSpPr/>
+          <p:nvPr/>
+        </p:nvSpPr>
+        <p:spPr>
+          <a:xfrm>
+            <a:off x="4064000" y="3760511"/>
+            <a:ext cx="1371600" cy="0"/>
+          </a:xfrm>
+          <a:prstGeom prst="line">
+            <a:avLst/>
+          </a:prstGeom>
+          <a:noFill/>
+          <a:ln w="25400">
+            <a:solidFill>
+              <a:srgbClr val="64748B"/>
+            </a:solidFill>
+            <a:prstDash val="dash"/>
+          </a:ln>
+        </p:spPr>
+      </p:sp>
+      <p:sp>
+        <p:nvSpPr>
+          <p:cNvPr id="15" name="Shape 12"/>
+          <p:cNvSpPr/>
+          <p:nvPr/>
+        </p:nvSpPr>
+        <p:spPr>
+          <a:xfrm>
+            <a:off x="5618480" y="3486191"/>
+            <a:ext cx="548640" cy="548640"/>
+          </a:xfrm>
+          <a:prstGeom prst="ellipse">
+            <a:avLst/>
+          </a:prstGeom>
+          <a:solidFill>
+            <a:srgbClr val="02C39A"/>
+          </a:solidFill>
+          <a:ln/>
+        </p:spPr>
+      </p:sp>
+      <p:sp>
+        <p:nvSpPr>
+          <p:cNvPr id="16" name="Text 13"/>
+          <p:cNvSpPr/>
+          <p:nvPr/>
+        </p:nvSpPr>
+        <p:spPr>
+          <a:xfrm>
+            <a:off x="5618480" y="3486191"/>
+            <a:ext cx="548640" cy="548640"/>
+          </a:xfrm>
+          <a:prstGeom prst="rect">
+            <a:avLst/>
+          </a:prstGeom>
+          <a:noFill/>
+          <a:ln/>
+        </p:spPr>
+        <p:txBody>
+          <a:bodyPr wrap="square" rtlCol="0" anchor="ctr"/>
+          <a:lstStyle/>
+          <a:p>
+            <a:pPr marL="0" indent="0" algn="ctr">
+              <a:buNone/>
+            </a:pPr>
+            <a:r>
+              <a:rPr lang="en-US" sz="2400" b="1" dirty="0">
+                <a:solidFill>
+                  <a:srgbClr val="FFFFFF"/>
+                </a:solidFill>
+              </a:rPr>
+              <a:t>3</a:t>
+            </a:r>
+            <a:endParaRPr lang="en-US" sz="2400" dirty="0"/>
+          </a:p>
+        </p:txBody>
+      </p:sp>
+      <p:sp>
+        <p:nvSpPr>
+          <p:cNvPr id="17" name="Text 14"/>
+          <p:cNvSpPr/>
+          <p:nvPr/>
+        </p:nvSpPr>
+        <p:spPr>
+          <a:xfrm>
+            <a:off x="5344160" y="4171991"/>
+            <a:ext cx="1097280" cy="274320"/>
+          </a:xfrm>
+          <a:prstGeom prst="rect">
+            <a:avLst/>
+          </a:prstGeom>
+          <a:noFill/>
+          <a:ln/>
+        </p:spPr>
+        <p:txBody>
+          <a:bodyPr wrap="square" rtlCol="0" anchor="ctr"/>
+          <a:lstStyle/>
+          <a:p>
+            <a:pPr marL="0" indent="0" algn="ctr">
+              <a:buNone/>
+            </a:pPr>
+            <a:r>
+              <a:rPr lang="en-US" sz="1400" b="1" dirty="0">
+                <a:solidFill>
+                  <a:srgbClr val="2C3E50"/>
+                </a:solidFill>
+              </a:rPr>
+              <a:t>Контроль</a:t>
+            </a:r>
+            <a:endParaRPr lang="en-US" sz="1400" dirty="0"/>
+          </a:p>
+        </p:txBody>
+      </p:sp>
+      <p:sp>
+        <p:nvSpPr>
+          <p:cNvPr id="18" name="Text 15"/>
+          <p:cNvSpPr/>
+          <p:nvPr/>
+        </p:nvSpPr>
+        <p:spPr>
+          <a:xfrm>
+            <a:off x="5344160" y="4492031"/>
+            <a:ext cx="1097280" cy="228600"/>
+          </a:xfrm>
+          <a:prstGeom prst="rect">
+            <a:avLst/>
+          </a:prstGeom>
+          <a:noFill/>
+          <a:ln/>
+        </p:spPr>
+        <p:txBody>
+          <a:bodyPr wrap="square" rtlCol="0" anchor="ctr"/>
+          <a:lstStyle/>
+          <a:p>
+            <a:pPr marL="0" indent="0" algn="ctr">
+              <a:buNone/>
+            </a:pPr>
+            <a:r>
+              <a:rPr lang="en-US" sz="1100" dirty="0">
+                <a:solidFill>
+                  <a:srgbClr val="64748B"/>
+                </a:solidFill>
+              </a:rPr>
+              <a:t>Проверка и ревью</a:t>
+            </a:r>
+            <a:endParaRPr lang="en-US" sz="1100" dirty="0"/>
+          </a:p>
+        </p:txBody>
+      </p:sp>
+      <p:sp>
+        <p:nvSpPr>
+          <p:cNvPr id="19" name="Text 16"/>
+          <p:cNvSpPr/>
+          <p:nvPr/>
+        </p:nvSpPr>
+        <p:spPr>
+          <a:xfrm>
+            <a:off x="772160" y="1720235"/>
+            <a:ext cx="7772400" cy="1097280"/>
+          </a:xfrm>
+          <a:prstGeom prst="rect">
+            <a:avLst/>
+          </a:prstGeom>
+          <a:noFill/>
+          <a:ln/>
+        </p:spPr>
+        <p:txBody>
+          <a:bodyPr wrap="square" rtlCol="0" anchor="ctr"/>
+          <a:lstStyle/>
+          <a:p>
+            <a:pPr marL="342900" indent="-342900">
+              <a:buSzPct val="100000"/>
+              <a:buChar char="•"/>
+            </a:pPr>
+            <a:r>
+              <a:rPr lang="en-US" sz="1400" dirty="0">
+                <a:solidFill>
+                  <a:srgbClr val="2C3E50"/>
+                </a:solidFill>
+              </a:rPr>
+              <a:t>Декомпозиция задач на подзадачи</a:t>
+            </a:r>
+            <a:endParaRPr lang="en-US" sz="1400" dirty="0"/>
+          </a:p>
+          <a:p>
+            <a:pPr marL="342900" indent="-342900">
+              <a:buSzPct val="100000"/>
+              <a:buChar char="•"/>
+            </a:pPr>
+            <a:r>
+              <a:rPr lang="en-US" sz="1400" dirty="0">
+                <a:solidFill>
+                  <a:srgbClr val="2C3E50"/>
+                </a:solidFill>
+              </a:rPr>
+              <a:t>Итерации и ревью после каждого этапа</a:t>
+            </a:r>
+            <a:endParaRPr lang="en-US" sz="1400" dirty="0"/>
+          </a:p>
+          <a:p>
+            <a:pPr marL="342900" indent="-342900">
+              <a:buSzPct val="100000"/>
+              <a:buChar char="•"/>
+            </a:pPr>
+            <a:r>
+              <a:rPr lang="en-US" sz="1400" dirty="0">
+                <a:solidFill>
+                  <a:srgbClr val="2C3E50"/>
+                </a:solidFill>
+              </a:rPr>
+              <a:t>Когда останавливаться? Когда критерии выполнены</a:t>
+            </a:r>
+            <a:endParaRPr lang="en-US" sz="1400" dirty="0"/>
+          </a:p>
+        </p:txBody>
+      </p:sp>
+      <p:sp>
+        <p:nvSpPr>
+          <p:cNvPr id="20" name="Shape 12">
+            <a:extLst>
+              <a:ext uri="{FF2B5EF4-FFF2-40B4-BE49-F238E27FC236}">
+                <a16:creationId xmlns:a16="http://schemas.microsoft.com/office/drawing/2014/main" id="{A253CDE8-61CE-7FF5-2901-3FBAA76AE0C9}"/>
+              </a:ext>
+            </a:extLst>
+          </p:cNvPr>
+          <p:cNvSpPr/>
+          <p:nvPr/>
+        </p:nvSpPr>
+        <p:spPr>
+          <a:xfrm>
+            <a:off x="7752079" y="3486191"/>
+            <a:ext cx="548640" cy="548640"/>
+          </a:xfrm>
+          <a:prstGeom prst="ellipse">
+            <a:avLst/>
+          </a:prstGeom>
+          <a:solidFill>
+            <a:srgbClr val="02C39A"/>
+          </a:solidFill>
+          <a:ln/>
+        </p:spPr>
+      </p:sp>
+      <p:sp>
+        <p:nvSpPr>
+          <p:cNvPr id="21" name="Shape 11">
+            <a:extLst>
+              <a:ext uri="{FF2B5EF4-FFF2-40B4-BE49-F238E27FC236}">
+                <a16:creationId xmlns:a16="http://schemas.microsoft.com/office/drawing/2014/main" id="{E1FEDEB7-4B21-BAE3-D622-6FFBBF1AC5A9}"/>
+              </a:ext>
+            </a:extLst>
+          </p:cNvPr>
+          <p:cNvSpPr/>
+          <p:nvPr/>
+        </p:nvSpPr>
+        <p:spPr>
+          <a:xfrm>
+            <a:off x="6282266" y="3760511"/>
+            <a:ext cx="1371600" cy="0"/>
+          </a:xfrm>
+          <a:prstGeom prst="line">
+            <a:avLst/>
+          </a:prstGeom>
+          <a:noFill/>
+          <a:ln w="25400">
+            <a:solidFill>
+              <a:srgbClr val="64748B"/>
+            </a:solidFill>
+            <a:prstDash val="dash"/>
+          </a:ln>
+        </p:spPr>
+      </p:sp>
+      <p:sp>
+        <p:nvSpPr>
+          <p:cNvPr id="22" name="Text 13">
+            <a:extLst>
+              <a:ext uri="{FF2B5EF4-FFF2-40B4-BE49-F238E27FC236}">
+                <a16:creationId xmlns:a16="http://schemas.microsoft.com/office/drawing/2014/main" id="{6FDC51FD-CD77-8024-687F-8F0D55EC6D0B}"/>
+              </a:ext>
+            </a:extLst>
+          </p:cNvPr>
+          <p:cNvSpPr/>
+          <p:nvPr/>
+        </p:nvSpPr>
+        <p:spPr>
+          <a:xfrm>
+            <a:off x="7752079" y="3486191"/>
+            <a:ext cx="548640" cy="548640"/>
+          </a:xfrm>
+          <a:prstGeom prst="rect">
+            <a:avLst/>
+          </a:prstGeom>
+          <a:noFill/>
+          <a:ln/>
+        </p:spPr>
+        <p:txBody>
+          <a:bodyPr wrap="square" rtlCol="0" anchor="ctr"/>
+          <a:lstStyle/>
+          <a:p>
+            <a:pPr marL="0" indent="0" algn="ctr">
+              <a:buNone/>
+            </a:pPr>
+            <a:r>
+              <a:rPr lang="ru-RU" sz="2400" b="1" dirty="0">
+                <a:solidFill>
+                  <a:srgbClr val="FFFFFF"/>
+                </a:solidFill>
+              </a:rPr>
+              <a:t>4</a:t>
+            </a:r>
+            <a:endParaRPr lang="en-US" sz="2400" dirty="0"/>
+          </a:p>
+        </p:txBody>
+      </p:sp>
+      <p:sp>
+        <p:nvSpPr>
+          <p:cNvPr id="24" name="Text 14">
+            <a:extLst>
+              <a:ext uri="{FF2B5EF4-FFF2-40B4-BE49-F238E27FC236}">
+                <a16:creationId xmlns:a16="http://schemas.microsoft.com/office/drawing/2014/main" id="{2FB6E64D-FD46-E4A0-0FC3-797CD92B0342}"/>
+              </a:ext>
+            </a:extLst>
+          </p:cNvPr>
+          <p:cNvSpPr/>
+          <p:nvPr/>
+        </p:nvSpPr>
+        <p:spPr>
+          <a:xfrm>
+            <a:off x="7477759" y="4171991"/>
+            <a:ext cx="1097280" cy="274320"/>
+          </a:xfrm>
+          <a:prstGeom prst="rect">
+            <a:avLst/>
+          </a:prstGeom>
+          <a:noFill/>
+          <a:ln/>
+        </p:spPr>
+        <p:txBody>
+          <a:bodyPr wrap="square" rtlCol="0" anchor="ctr"/>
+          <a:lstStyle/>
+          <a:p>
+            <a:pPr marL="0" indent="0" algn="ctr">
+              <a:buNone/>
+            </a:pPr>
+            <a:r>
+              <a:rPr lang="ru-RU" sz="1400" b="1" dirty="0">
+                <a:solidFill>
+                  <a:srgbClr val="2C3E50"/>
+                </a:solidFill>
+              </a:rPr>
+              <a:t>Повторить</a:t>
+            </a:r>
+            <a:endParaRPr lang="en-US" sz="1400" dirty="0"/>
+          </a:p>
+        </p:txBody>
+      </p:sp>
+      <p:pic>
+        <p:nvPicPr>
+          <p:cNvPr id="5122" name="Picture 2" descr="Picture background">
+            <a:extLst>
+              <a:ext uri="{FF2B5EF4-FFF2-40B4-BE49-F238E27FC236}">
+                <a16:creationId xmlns:a16="http://schemas.microsoft.com/office/drawing/2014/main" id="{6F72E9FC-8D31-2F5C-BE55-24D9F028F6DB}"/>
+              </a:ext>
+            </a:extLst>
+          </p:cNvPr>
+          <p:cNvPicPr>
+            <a:picLocks noChangeAspect="1" noChangeArrowheads="1"/>
+          </p:cNvPicPr>
+          <p:nvPr/>
+        </p:nvPicPr>
+        <p:blipFill>
+          <a:blip r:embed="rId4">
+            <a:extLst>
+              <a:ext uri="{28A0092B-C50C-407E-A947-70E740481C1C}">
+                <a14:useLocalDpi xmlns:a14="http://schemas.microsoft.com/office/drawing/2010/main" val="0"/>
+              </a:ext>
+            </a:extLst>
+          </a:blip>
+          <a:srcRect/>
+          <a:stretch>
+            <a:fillRect/>
+          </a:stretch>
+        </p:blipFill>
+        <p:spPr bwMode="auto">
+          <a:xfrm>
+            <a:off x="6015619" y="293414"/>
+            <a:ext cx="2599161" cy="3055617"/>
+          </a:xfrm>
+          <a:prstGeom prst="rect">
+            <a:avLst/>
+          </a:prstGeom>
+          <a:noFill/>
+          <a:extLst>
+            <a:ext uri="{909E8E84-426E-40DD-AFC4-6F175D3DCCD1}">
+              <a14:hiddenFill xmlns:a14="http://schemas.microsoft.com/office/drawing/2010/main">
+                <a:solidFill>
+                  <a:srgbClr val="FFFFFF"/>
+                </a:solidFill>
+              </a14:hiddenFill>
+            </a:ext>
+          </a:extLst>
+        </p:spPr>
+      </p:pic>
+    </p:spTree>
+  </p:cSld>
+  <p:clrMapOvr>
+    <a:masterClrMapping/>
+  </p:clrMapOvr>
+</p:sld>
+</file>
+
+<file path=ppt/slides/slide21.xml><?xml version="1.0" encoding="utf-8"?>
+<p:sld xmlns:a="http://schemas.openxmlformats.org/drawingml/2006/main" xmlns:r="http://schemas.openxmlformats.org/officeDocument/2006/relationships" xmlns:p="http://schemas.openxmlformats.org/presentationml/2006/main">
   <p:cSld name="Slide 20">
     <p:bg>
       <p:bgPr>
@@ -8286,7 +8937,7 @@
 </p:sld>
 </file>
 
-<file path=ppt/slides/slide21.xml><?xml version="1.0" encoding="utf-8"?>
+<file path=ppt/slides/slide22.xml><?xml version="1.0" encoding="utf-8"?>
 <p:sld xmlns:a="http://schemas.openxmlformats.org/drawingml/2006/main" xmlns:r="http://schemas.openxmlformats.org/officeDocument/2006/relationships" xmlns:p="http://schemas.openxmlformats.org/presentationml/2006/main">
   <p:cSld name="Slide 21">
     <p:bg>
@@ -8685,7 +9336,7 @@
 </p:sld>
 </file>
 
-<file path=ppt/slides/slide22.xml><?xml version="1.0" encoding="utf-8"?>
+<file path=ppt/slides/slide23.xml><?xml version="1.0" encoding="utf-8"?>
 <p:sld xmlns:a="http://schemas.openxmlformats.org/drawingml/2006/main" xmlns:r="http://schemas.openxmlformats.org/officeDocument/2006/relationships" xmlns:p="http://schemas.openxmlformats.org/presentationml/2006/main">
   <p:cSld name="Slide 22">
     <p:bg>
@@ -9052,7 +9703,7 @@
 </p:sld>
 </file>
 
-<file path=ppt/slides/slide23.xml><?xml version="1.0" encoding="utf-8"?>
+<file path=ppt/slides/slide24.xml><?xml version="1.0" encoding="utf-8"?>
 <p:sld xmlns:a="http://schemas.openxmlformats.org/drawingml/2006/main" xmlns:r="http://schemas.openxmlformats.org/officeDocument/2006/relationships" xmlns:p="http://schemas.openxmlformats.org/presentationml/2006/main">
   <p:cSld name="Slide 23">
     <p:bg>
@@ -9472,7 +10123,7 @@
 </p:sld>
 </file>
 
-<file path=ppt/slides/slide24.xml><?xml version="1.0" encoding="utf-8"?>
+<file path=ppt/slides/slide25.xml><?xml version="1.0" encoding="utf-8"?>
 <p:sld xmlns:a="http://schemas.openxmlformats.org/drawingml/2006/main" xmlns:r="http://schemas.openxmlformats.org/officeDocument/2006/relationships" xmlns:p="http://schemas.openxmlformats.org/presentationml/2006/main">
   <p:cSld name="Slide 24">
     <p:bg>
@@ -9505,7 +10156,7 @@
         </p:nvSpPr>
         <p:spPr>
           <a:xfrm>
-            <a:off x="457200" y="731520"/>
+            <a:off x="457200" y="571500"/>
             <a:ext cx="8229600" cy="640080"/>
           </a:xfrm>
           <a:prstGeom prst="rect">
@@ -9549,7 +10200,7 @@
         </p:blipFill>
         <p:spPr>
           <a:xfrm>
-            <a:off x="4297680" y="1645920"/>
+            <a:off x="4297680" y="1371600"/>
             <a:ext cx="548640" cy="548640"/>
           </a:xfrm>
           <a:prstGeom prst="rect">
@@ -9565,7 +10216,7 @@
         </p:nvSpPr>
         <p:spPr>
           <a:xfrm>
-            <a:off x="1371600" y="2468880"/>
+            <a:off x="1371600" y="1783080"/>
             <a:ext cx="6400800" cy="1371600"/>
           </a:xfrm>
           <a:prstGeom prst="rect">
@@ -9618,7 +10269,47 @@
                   <a:srgbClr val="FFFFFF"/>
                 </a:solidFill>
               </a:rPr>
-              <a:t>Начните с малого: шаблоны, чек-листы, короткие итерации</a:t>
+              <a:t>Начните с </a:t>
+            </a:r>
+            <a:r>
+              <a:rPr lang="en-US" sz="1600" dirty="0" err="1">
+                <a:solidFill>
+                  <a:srgbClr val="FFFFFF"/>
+                </a:solidFill>
+              </a:rPr>
+              <a:t>малого</a:t>
+            </a:r>
+            <a:r>
+              <a:rPr lang="en-US" sz="1600" dirty="0">
+                <a:solidFill>
+                  <a:srgbClr val="FFFFFF"/>
+                </a:solidFill>
+              </a:rPr>
+              <a:t>:</a:t>
+            </a:r>
+            <a:r>
+              <a:rPr lang="ru-RU" sz="1600" dirty="0">
+                <a:solidFill>
+                  <a:srgbClr val="FFFFFF"/>
+                </a:solidFill>
+              </a:rPr>
+              <a:t> итерации, правильный </a:t>
+            </a:r>
+            <a:r>
+              <a:rPr lang="ru-RU" sz="1600" dirty="0" err="1">
+                <a:solidFill>
+                  <a:srgbClr val="FFFFFF"/>
+                </a:solidFill>
+              </a:rPr>
+              <a:t>промптинг</a:t>
+            </a:r>
+            <a:r>
+              <a:rPr lang="ru-RU" sz="1600" dirty="0">
+                <a:solidFill>
+                  <a:srgbClr val="FFFFFF"/>
+                </a:solidFill>
+              </a:rPr>
+              <a:t>, управление контекстом</a:t>
             </a:r>
             <a:endParaRPr lang="en-US" sz="1600" dirty="0"/>
           </a:p>
@@ -9632,7 +10323,7 @@
         </p:nvSpPr>
         <p:spPr>
           <a:xfrm>
-            <a:off x="457200" y="4114800"/>
+            <a:off x="457200" y="3076303"/>
             <a:ext cx="8229600" cy="457200"/>
           </a:xfrm>
           <a:prstGeom prst="rect">
@@ -9657,6 +10348,124 @@
               <a:t>Вопросы?</a:t>
             </a:r>
             <a:endParaRPr lang="en-US" sz="2800" dirty="0"/>
+          </a:p>
+        </p:txBody>
+      </p:sp>
+      <p:sp>
+        <p:nvSpPr>
+          <p:cNvPr id="6" name="Text 1">
+            <a:extLst>
+              <a:ext uri="{FF2B5EF4-FFF2-40B4-BE49-F238E27FC236}">
+                <a16:creationId xmlns:a16="http://schemas.microsoft.com/office/drawing/2014/main" id="{074D33B6-9C51-107F-6629-1B029145AF68}"/>
+              </a:ext>
+            </a:extLst>
+          </p:cNvPr>
+          <p:cNvSpPr/>
+          <p:nvPr/>
+        </p:nvSpPr>
+        <p:spPr>
+          <a:xfrm>
+            <a:off x="1371600" y="3324498"/>
+            <a:ext cx="6400800" cy="1371600"/>
+          </a:xfrm>
+          <a:prstGeom prst="rect">
+            <a:avLst/>
+          </a:prstGeom>
+          <a:noFill/>
+          <a:ln/>
+        </p:spPr>
+        <p:txBody>
+          <a:bodyPr wrap="square" rtlCol="0" anchor="ctr"/>
+          <a:lstStyle/>
+          <a:p>
+            <a:pPr marL="342900" indent="-342900">
+              <a:buSzPct val="100000"/>
+              <a:buChar char="•"/>
+            </a:pPr>
+            <a:r>
+              <a:rPr lang="en-US" sz="1600" dirty="0">
+                <a:solidFill>
+                  <a:srgbClr val="FFFFFF"/>
+                </a:solidFill>
+              </a:rPr>
+              <a:t>TDD (Test-Driven Development)</a:t>
+            </a:r>
+            <a:endParaRPr lang="ru-RU" sz="1600" dirty="0">
+              <a:solidFill>
+                <a:srgbClr val="FFFFFF"/>
+              </a:solidFill>
+            </a:endParaRPr>
+          </a:p>
+          <a:p>
+            <a:pPr marL="342900" indent="-342900">
+              <a:buSzPct val="100000"/>
+              <a:buChar char="•"/>
+            </a:pPr>
+            <a:r>
+              <a:rPr lang="en-US" sz="1600" dirty="0">
+                <a:solidFill>
+                  <a:srgbClr val="FFFFFF"/>
+                </a:solidFill>
+              </a:rPr>
+              <a:t>SDD</a:t>
+            </a:r>
+            <a:r>
+              <a:rPr lang="ru-RU" sz="1600" dirty="0">
+                <a:solidFill>
+                  <a:srgbClr val="FFFFFF"/>
+                </a:solidFill>
+              </a:rPr>
+              <a:t> (</a:t>
+            </a:r>
+            <a:r>
+              <a:rPr lang="en-US" sz="1600" dirty="0">
+                <a:solidFill>
+                  <a:srgbClr val="FFFFFF"/>
+                </a:solidFill>
+              </a:rPr>
+              <a:t>Spec-Driven Development</a:t>
+            </a:r>
+            <a:r>
+              <a:rPr lang="ru-RU" sz="1600" dirty="0">
+                <a:solidFill>
+                  <a:srgbClr val="FFFFFF"/>
+                </a:solidFill>
+              </a:rPr>
+              <a:t>)</a:t>
+            </a:r>
+          </a:p>
+          <a:p>
+            <a:pPr marL="342900" indent="-342900">
+              <a:buSzPct val="100000"/>
+              <a:buChar char="•"/>
+            </a:pPr>
+            <a:r>
+              <a:rPr lang="ru-RU" sz="1600" dirty="0">
+                <a:solidFill>
+                  <a:srgbClr val="FFFFFF"/>
+                </a:solidFill>
+              </a:rPr>
+              <a:t>Допустимая степень не определённости при проектировании кода</a:t>
+            </a:r>
+          </a:p>
+          <a:p>
+            <a:pPr marL="342900" indent="-342900">
+              <a:buSzPct val="100000"/>
+              <a:buChar char="•"/>
+            </a:pPr>
+            <a:r>
+              <a:rPr lang="ru-RU" sz="1600" dirty="0" err="1">
+                <a:solidFill>
+                  <a:srgbClr val="FFFFFF"/>
+                </a:solidFill>
+              </a:rPr>
+              <a:t>Агентность</a:t>
+            </a:r>
+            <a:endParaRPr lang="ru-RU" sz="1600" dirty="0">
+              <a:solidFill>
+                <a:srgbClr val="FFFFFF"/>
+              </a:solidFill>
+            </a:endParaRPr>
           </a:p>
         </p:txBody>
       </p:sp>
@@ -10341,7 +11150,7 @@
         </p:nvSpPr>
         <p:spPr>
           <a:xfrm>
-            <a:off x="1371600" y="1645920"/>
+            <a:off x="1371600" y="1521823"/>
             <a:ext cx="6400800" cy="2286000"/>
           </a:xfrm>
           <a:prstGeom prst="rect">
@@ -10361,7 +11170,7 @@
         </p:nvSpPr>
         <p:spPr>
           <a:xfrm>
-            <a:off x="1645920" y="1828800"/>
+            <a:off x="1645920" y="1704703"/>
             <a:ext cx="5943600" cy="2011680"/>
           </a:xfrm>
           <a:prstGeom prst="rect">
@@ -10485,7 +11294,7 @@
         </p:nvSpPr>
         <p:spPr>
           <a:xfrm>
-            <a:off x="640080" y="4114800"/>
+            <a:off x="640080" y="3958046"/>
             <a:ext cx="7772400" cy="822960"/>
           </a:xfrm>
           <a:prstGeom prst="rect">
@@ -10508,7 +11317,39 @@
                   <a:srgbClr val="2C3E50"/>
                 </a:solidFill>
               </a:rPr>
-              <a:t>Роли — это просто часть текста</a:t>
+              <a:t>Роли — это просто </a:t>
+            </a:r>
+            <a:r>
+              <a:rPr lang="en-US" sz="1400" dirty="0" err="1">
+                <a:solidFill>
+                  <a:srgbClr val="2C3E50"/>
+                </a:solidFill>
+              </a:rPr>
+              <a:t>часть</a:t>
+            </a:r>
+            <a:r>
+              <a:rPr lang="en-US" sz="1400" dirty="0">
+                <a:solidFill>
+                  <a:srgbClr val="2C3E50"/>
+                </a:solidFill>
+              </a:rPr>
+              <a:t> </a:t>
+            </a:r>
+            <a:r>
+              <a:rPr lang="en-US" sz="1400" dirty="0" err="1">
+                <a:solidFill>
+                  <a:srgbClr val="2C3E50"/>
+                </a:solidFill>
+              </a:rPr>
+              <a:t>текста</a:t>
+            </a:r>
+            <a:r>
+              <a:rPr lang="ru-RU" sz="1400" dirty="0">
+                <a:solidFill>
+                  <a:srgbClr val="2C3E50"/>
+                </a:solidFill>
+              </a:rPr>
+              <a:t>. Их нельзя изменить</a:t>
             </a:r>
             <a:endParaRPr lang="en-US" sz="1400" dirty="0"/>
           </a:p>
@@ -10523,7 +11364,50 @@
                   <a:srgbClr val="2C3E50"/>
                 </a:solidFill>
               </a:rPr>
-              <a:t>Один вопрос в разном контексте → разный ответ</a:t>
+              <a:t>Один вопрос в разном контексте → </a:t>
+            </a:r>
+            <a:r>
+              <a:rPr lang="en-US" sz="1400" dirty="0" err="1">
+                <a:solidFill>
+                  <a:srgbClr val="2C3E50"/>
+                </a:solidFill>
+              </a:rPr>
+              <a:t>разный</a:t>
+            </a:r>
+            <a:r>
+              <a:rPr lang="en-US" sz="1400" dirty="0">
+                <a:solidFill>
+                  <a:srgbClr val="2C3E50"/>
+                </a:solidFill>
+              </a:rPr>
+              <a:t> </a:t>
+            </a:r>
+            <a:r>
+              <a:rPr lang="en-US" sz="1400" dirty="0" err="1">
+                <a:solidFill>
+                  <a:srgbClr val="2C3E50"/>
+                </a:solidFill>
+              </a:rPr>
+              <a:t>ответ</a:t>
+            </a:r>
+            <a:endParaRPr lang="ru-RU" sz="1400" dirty="0">
+              <a:solidFill>
+                <a:srgbClr val="2C3E50"/>
+              </a:solidFill>
+            </a:endParaRPr>
+          </a:p>
+          <a:p>
+            <a:pPr marL="342900" indent="-342900">
+              <a:buSzPct val="100000"/>
+              <a:buChar char="•"/>
+            </a:pPr>
+            <a:r>
+              <a:rPr lang="ru-RU" sz="1400" dirty="0">
+                <a:solidFill>
+                  <a:srgbClr val="2C3E50"/>
+                </a:solidFill>
+              </a:rPr>
+              <a:t>Оператор формирует вопрос и контекст. Это единственные рычаги влияния оператора</a:t>
             </a:r>
             <a:endParaRPr lang="en-US" sz="1400" dirty="0"/>
           </a:p>
@@ -10553,6 +11437,327 @@
 </file>
 
 <file path=ppt/slides/slide6.xml><?xml version="1.0" encoding="utf-8"?>
+<p:sld xmlns:a="http://schemas.openxmlformats.org/drawingml/2006/main" xmlns:r="http://schemas.openxmlformats.org/officeDocument/2006/relationships" xmlns:p="http://schemas.openxmlformats.org/presentationml/2006/main">
+  <p:cSld>
+    <p:spTree>
+      <p:nvGrpSpPr>
+        <p:cNvPr id="1" name=""/>
+        <p:cNvGrpSpPr/>
+        <p:nvPr/>
+      </p:nvGrpSpPr>
+      <p:grpSpPr>
+        <a:xfrm>
+          <a:off x="0" y="0"/>
+          <a:ext cx="0" cy="0"/>
+          <a:chOff x="0" y="0"/>
+          <a:chExt cx="0" cy="0"/>
+        </a:xfrm>
+      </p:grpSpPr>
+      <p:sp>
+        <p:nvSpPr>
+          <p:cNvPr id="4" name="Text 0">
+            <a:extLst>
+              <a:ext uri="{FF2B5EF4-FFF2-40B4-BE49-F238E27FC236}">
+                <a16:creationId xmlns:a16="http://schemas.microsoft.com/office/drawing/2014/main" id="{9DEED14A-52EA-C81E-C8B1-7479A56D2E84}"/>
+              </a:ext>
+            </a:extLst>
+          </p:cNvPr>
+          <p:cNvSpPr/>
+          <p:nvPr/>
+        </p:nvSpPr>
+        <p:spPr>
+          <a:xfrm>
+            <a:off x="457200" y="274320"/>
+            <a:ext cx="8229600" cy="548640"/>
+          </a:xfrm>
+          <a:prstGeom prst="rect">
+            <a:avLst/>
+          </a:prstGeom>
+          <a:noFill/>
+          <a:ln/>
+        </p:spPr>
+        <p:txBody>
+          <a:bodyPr wrap="square" lIns="0" tIns="0" rIns="0" bIns="0" rtlCol="0" anchor="ctr"/>
+          <a:lstStyle/>
+          <a:p>
+            <a:pPr marL="0" indent="0">
+              <a:buNone/>
+            </a:pPr>
+            <a:r>
+              <a:rPr lang="ru-RU" sz="3600" b="1" dirty="0">
+                <a:solidFill>
+                  <a:srgbClr val="1E2761"/>
+                </a:solidFill>
+              </a:rPr>
+              <a:t>Размышляющие модели (</a:t>
+            </a:r>
+            <a:r>
+              <a:rPr lang="en-US" sz="3600" b="1" dirty="0">
+                <a:solidFill>
+                  <a:srgbClr val="1E2761"/>
+                </a:solidFill>
+              </a:rPr>
+              <a:t>reasoning)</a:t>
+            </a:r>
+            <a:endParaRPr lang="en-US" sz="3600" dirty="0"/>
+          </a:p>
+        </p:txBody>
+      </p:sp>
+      <p:pic>
+        <p:nvPicPr>
+          <p:cNvPr id="1026" name="Picture 2" descr="Picture background">
+            <a:extLst>
+              <a:ext uri="{FF2B5EF4-FFF2-40B4-BE49-F238E27FC236}">
+                <a16:creationId xmlns:a16="http://schemas.microsoft.com/office/drawing/2014/main" id="{40AAD2EF-0F43-B8A8-2157-16738A675207}"/>
+              </a:ext>
+            </a:extLst>
+          </p:cNvPr>
+          <p:cNvPicPr>
+            <a:picLocks noChangeAspect="1" noChangeArrowheads="1"/>
+          </p:cNvPicPr>
+          <p:nvPr/>
+        </p:nvPicPr>
+        <p:blipFill rotWithShape="1">
+          <a:blip r:embed="rId2">
+            <a:extLst>
+              <a:ext uri="{28A0092B-C50C-407E-A947-70E740481C1C}">
+                <a14:useLocalDpi xmlns:a14="http://schemas.microsoft.com/office/drawing/2010/main" val="0"/>
+              </a:ext>
+            </a:extLst>
+          </a:blip>
+          <a:srcRect l="1396" r="1522"/>
+          <a:stretch>
+            <a:fillRect/>
+          </a:stretch>
+        </p:blipFill>
+        <p:spPr bwMode="auto">
+          <a:xfrm>
+            <a:off x="5623558" y="1018902"/>
+            <a:ext cx="3331029" cy="1930037"/>
+          </a:xfrm>
+          <a:prstGeom prst="rect">
+            <a:avLst/>
+          </a:prstGeom>
+          <a:noFill/>
+          <a:extLst>
+            <a:ext uri="{909E8E84-426E-40DD-AFC4-6F175D3DCCD1}">
+              <a14:hiddenFill xmlns:a14="http://schemas.microsoft.com/office/drawing/2010/main">
+                <a:solidFill>
+                  <a:srgbClr val="FFFFFF"/>
+                </a:solidFill>
+              </a14:hiddenFill>
+            </a:ext>
+          </a:extLst>
+        </p:spPr>
+      </p:pic>
+      <p:sp>
+        <p:nvSpPr>
+          <p:cNvPr id="5" name="Text 1">
+            <a:extLst>
+              <a:ext uri="{FF2B5EF4-FFF2-40B4-BE49-F238E27FC236}">
+                <a16:creationId xmlns:a16="http://schemas.microsoft.com/office/drawing/2014/main" id="{24C52CCF-2C32-2D1C-03FC-60505487C79C}"/>
+              </a:ext>
+            </a:extLst>
+          </p:cNvPr>
+          <p:cNvSpPr/>
+          <p:nvPr/>
+        </p:nvSpPr>
+        <p:spPr>
+          <a:xfrm>
+            <a:off x="431072" y="822960"/>
+            <a:ext cx="6858000" cy="457200"/>
+          </a:xfrm>
+          <a:prstGeom prst="rect">
+            <a:avLst/>
+          </a:prstGeom>
+          <a:noFill/>
+          <a:ln/>
+        </p:spPr>
+        <p:txBody>
+          <a:bodyPr wrap="square" rtlCol="0" anchor="ctr"/>
+          <a:lstStyle/>
+          <a:p>
+            <a:pPr marL="0" indent="0">
+              <a:buNone/>
+            </a:pPr>
+            <a:r>
+              <a:rPr lang="ru-RU" sz="2200" b="1" dirty="0">
+                <a:solidFill>
+                  <a:srgbClr val="2C3E50"/>
+                </a:solidFill>
+              </a:rPr>
+              <a:t>Вопрос → внутренние шаги → ответ </a:t>
+            </a:r>
+            <a:endParaRPr lang="en-US" sz="2200" dirty="0"/>
+          </a:p>
+        </p:txBody>
+      </p:sp>
+      <p:sp>
+        <p:nvSpPr>
+          <p:cNvPr id="6" name="Text 1">
+            <a:extLst>
+              <a:ext uri="{FF2B5EF4-FFF2-40B4-BE49-F238E27FC236}">
+                <a16:creationId xmlns:a16="http://schemas.microsoft.com/office/drawing/2014/main" id="{71F55CBF-EE7C-E68B-4DE2-A846C144D408}"/>
+              </a:ext>
+            </a:extLst>
+          </p:cNvPr>
+          <p:cNvSpPr/>
+          <p:nvPr/>
+        </p:nvSpPr>
+        <p:spPr>
+          <a:xfrm>
+            <a:off x="457200" y="1280160"/>
+            <a:ext cx="5035731" cy="1717766"/>
+          </a:xfrm>
+          <a:prstGeom prst="rect">
+            <a:avLst/>
+          </a:prstGeom>
+          <a:noFill/>
+          <a:ln/>
+        </p:spPr>
+        <p:txBody>
+          <a:bodyPr wrap="square" rtlCol="0" anchor="ctr"/>
+          <a:lstStyle/>
+          <a:p>
+            <a:pPr marL="0" indent="0">
+              <a:buNone/>
+            </a:pPr>
+            <a:r>
+              <a:rPr lang="ru-RU" sz="1600" dirty="0">
+                <a:solidFill>
+                  <a:srgbClr val="64748B"/>
+                </a:solidFill>
+              </a:rPr>
+              <a:t>Раз диалог — это текст с ролями, </a:t>
+            </a:r>
+            <a:r>
+              <a:rPr lang="ru-RU" sz="1600" dirty="0" err="1">
+                <a:solidFill>
+                  <a:srgbClr val="64748B"/>
+                </a:solidFill>
+              </a:rPr>
+              <a:t>reasoning</a:t>
+            </a:r>
+            <a:r>
+              <a:rPr lang="ru-RU" sz="1600" dirty="0">
+                <a:solidFill>
+                  <a:srgbClr val="64748B"/>
+                </a:solidFill>
+              </a:rPr>
+              <a:t>-модель использует эти роли как "рамки мышления": получает инструкции (System), цель (User), свой черновик и проверку (</a:t>
+            </a:r>
+            <a:r>
+              <a:rPr lang="ru-RU" sz="1600" dirty="0" err="1">
+                <a:solidFill>
+                  <a:srgbClr val="64748B"/>
+                </a:solidFill>
+              </a:rPr>
+              <a:t>Assistant</a:t>
+            </a:r>
+            <a:r>
+              <a:rPr lang="ru-RU" sz="1600" dirty="0">
+                <a:solidFill>
+                  <a:srgbClr val="64748B"/>
+                </a:solidFill>
+              </a:rPr>
+              <a:t>), затем выдает итог.</a:t>
+            </a:r>
+          </a:p>
+        </p:txBody>
+      </p:sp>
+      <p:sp>
+        <p:nvSpPr>
+          <p:cNvPr id="7" name="Text 4">
+            <a:extLst>
+              <a:ext uri="{FF2B5EF4-FFF2-40B4-BE49-F238E27FC236}">
+                <a16:creationId xmlns:a16="http://schemas.microsoft.com/office/drawing/2014/main" id="{A67AAD15-CBF1-62F6-34ED-36A80B0C4DD4}"/>
+              </a:ext>
+            </a:extLst>
+          </p:cNvPr>
+          <p:cNvSpPr/>
+          <p:nvPr/>
+        </p:nvSpPr>
+        <p:spPr>
+          <a:xfrm>
+            <a:off x="320040" y="3523706"/>
+            <a:ext cx="7772400" cy="822960"/>
+          </a:xfrm>
+          <a:prstGeom prst="rect">
+            <a:avLst/>
+          </a:prstGeom>
+          <a:noFill/>
+          <a:ln/>
+        </p:spPr>
+        <p:txBody>
+          <a:bodyPr wrap="square" rtlCol="0" anchor="ctr"/>
+          <a:lstStyle/>
+          <a:p>
+            <a:pPr marL="342900" indent="-342900">
+              <a:buSzPct val="100000"/>
+              <a:buChar char="•"/>
+            </a:pPr>
+            <a:r>
+              <a:rPr lang="ru-RU" sz="1400" dirty="0">
+                <a:solidFill>
+                  <a:srgbClr val="2C3E50"/>
+                </a:solidFill>
+              </a:rPr>
+              <a:t>Внутренние шаги = черновик рассуждений + самопроверка.</a:t>
+            </a:r>
+          </a:p>
+          <a:p>
+            <a:pPr marL="342900" indent="-342900">
+              <a:buSzPct val="100000"/>
+              <a:buChar char="•"/>
+            </a:pPr>
+            <a:r>
+              <a:rPr lang="ru-RU" sz="1400" dirty="0">
+                <a:solidFill>
+                  <a:srgbClr val="2C3E50"/>
+                </a:solidFill>
+              </a:rPr>
+              <a:t>Роли задают, что можно/нужно учитывать на каждом шаге.</a:t>
+            </a:r>
+          </a:p>
+          <a:p>
+            <a:pPr marL="342900" indent="-342900">
+              <a:buSzPct val="100000"/>
+              <a:buChar char="•"/>
+            </a:pPr>
+            <a:r>
+              <a:rPr lang="ru-RU" sz="1400" dirty="0">
+                <a:solidFill>
+                  <a:srgbClr val="2C3E50"/>
+                </a:solidFill>
+              </a:rPr>
+              <a:t>Тратят больше времени/токенов, но лучше на сложных задачах.</a:t>
+            </a:r>
+            <a:r>
+              <a:rPr lang="en-US" sz="1400" dirty="0">
+                <a:solidFill>
+                  <a:srgbClr val="2C3E50"/>
+                </a:solidFill>
+              </a:rPr>
+              <a:t> </a:t>
+            </a:r>
+            <a:endParaRPr lang="en-US" sz="1400" dirty="0"/>
+          </a:p>
+        </p:txBody>
+      </p:sp>
+    </p:spTree>
+    <p:extLst>
+      <p:ext uri="{BB962C8B-B14F-4D97-AF65-F5344CB8AC3E}">
+        <p14:creationId xmlns:p14="http://schemas.microsoft.com/office/powerpoint/2010/main" val="2828866173"/>
+      </p:ext>
+    </p:extLst>
+  </p:cSld>
+  <p:clrMapOvr>
+    <a:masterClrMapping/>
+  </p:clrMapOvr>
+</p:sld>
+</file>
+
+<file path=ppt/slides/slide7.xml><?xml version="1.0" encoding="utf-8"?>
 <p:sld xmlns:a="http://schemas.openxmlformats.org/drawingml/2006/main" xmlns:r="http://schemas.openxmlformats.org/officeDocument/2006/relationships" xmlns:p="http://schemas.openxmlformats.org/presentationml/2006/main">
   <p:cSld name="Slide 6">
     <p:bg>
@@ -11041,7 +12246,7 @@
 </p:sld>
 </file>
 
-<file path=ppt/slides/slide7.xml><?xml version="1.0" encoding="utf-8"?>
+<file path=ppt/slides/slide8.xml><?xml version="1.0" encoding="utf-8"?>
 <p:sld xmlns:a="http://schemas.openxmlformats.org/drawingml/2006/main" xmlns:r="http://schemas.openxmlformats.org/officeDocument/2006/relationships" xmlns:p="http://schemas.openxmlformats.org/presentationml/2006/main">
   <p:cSld name="Slide 7">
     <p:bg>
@@ -11288,7 +12493,7 @@
 </p:sld>
 </file>
 
-<file path=ppt/slides/slide8.xml><?xml version="1.0" encoding="utf-8"?>
+<file path=ppt/slides/slide9.xml><?xml version="1.0" encoding="utf-8"?>
 <p:sld xmlns:a="http://schemas.openxmlformats.org/drawingml/2006/main" xmlns:r="http://schemas.openxmlformats.org/officeDocument/2006/relationships" xmlns:p="http://schemas.openxmlformats.org/presentationml/2006/main">
   <p:cSld name="Slide 8">
     <p:bg>
@@ -15379,656 +16584,6 @@
 </p:sld>
 </file>
 
-<file path=ppt/slides/slide9.xml><?xml version="1.0" encoding="utf-8"?>
-<p:sld xmlns:a="http://schemas.openxmlformats.org/drawingml/2006/main" xmlns:r="http://schemas.openxmlformats.org/officeDocument/2006/relationships" xmlns:p="http://schemas.openxmlformats.org/presentationml/2006/main">
-  <p:cSld name="Slide 9">
-    <p:bg>
-      <p:bgPr>
-        <a:solidFill>
-          <a:srgbClr val="FFFFFF"/>
-        </a:solidFill>
-        <a:effectLst/>
-      </p:bgPr>
-    </p:bg>
-    <p:spTree>
-      <p:nvGrpSpPr>
-        <p:cNvPr id="1" name=""/>
-        <p:cNvGrpSpPr/>
-        <p:nvPr/>
-      </p:nvGrpSpPr>
-      <p:grpSpPr>
-        <a:xfrm>
-          <a:off x="0" y="0"/>
-          <a:ext cx="0" cy="0"/>
-          <a:chOff x="0" y="0"/>
-          <a:chExt cx="0" cy="0"/>
-        </a:xfrm>
-      </p:grpSpPr>
-      <p:sp>
-        <p:nvSpPr>
-          <p:cNvPr id="2" name="Text 0"/>
-          <p:cNvSpPr/>
-          <p:nvPr/>
-        </p:nvSpPr>
-        <p:spPr>
-          <a:xfrm>
-            <a:off x="457200" y="274320"/>
-            <a:ext cx="8229600" cy="548640"/>
-          </a:xfrm>
-          <a:prstGeom prst="rect">
-            <a:avLst/>
-          </a:prstGeom>
-          <a:noFill/>
-          <a:ln/>
-        </p:spPr>
-        <p:txBody>
-          <a:bodyPr wrap="square" lIns="0" tIns="0" rIns="0" bIns="0" rtlCol="0" anchor="ctr"/>
-          <a:lstStyle/>
-          <a:p>
-            <a:pPr marL="0" indent="0">
-              <a:buNone/>
-            </a:pPr>
-            <a:r>
-              <a:rPr lang="en-US" sz="3600" b="1" dirty="0">
-                <a:solidFill>
-                  <a:srgbClr val="1E2761"/>
-                </a:solidFill>
-              </a:rPr>
-              <a:t>Как диалог влияет на стоимость</a:t>
-            </a:r>
-            <a:endParaRPr lang="en-US" sz="3600" dirty="0"/>
-          </a:p>
-        </p:txBody>
-      </p:sp>
-      <p:sp>
-        <p:nvSpPr>
-          <p:cNvPr id="3" name="Shape 1"/>
-          <p:cNvSpPr/>
-          <p:nvPr/>
-        </p:nvSpPr>
-        <p:spPr>
-          <a:xfrm>
-            <a:off x="1097280" y="1371600"/>
-            <a:ext cx="1188720" cy="731520"/>
-          </a:xfrm>
-          <a:prstGeom prst="rect">
-            <a:avLst/>
-          </a:prstGeom>
-          <a:solidFill>
-            <a:srgbClr val="02C39A"/>
-          </a:solidFill>
-          <a:ln/>
-          <a:effectLst>
-            <a:outerShdw blurRad="101600" dist="38100" dir="8100000" algn="bl" rotWithShape="0">
-              <a:srgbClr val="000000">
-                <a:alpha val="15000"/>
-              </a:srgbClr>
-            </a:outerShdw>
-          </a:effectLst>
-        </p:spPr>
-      </p:sp>
-      <p:sp>
-        <p:nvSpPr>
-          <p:cNvPr id="4" name="Text 2"/>
-          <p:cNvSpPr/>
-          <p:nvPr/>
-        </p:nvSpPr>
-        <p:spPr>
-          <a:xfrm>
-            <a:off x="1097280" y="1371600"/>
-            <a:ext cx="1188720" cy="731520"/>
-          </a:xfrm>
-          <a:prstGeom prst="rect">
-            <a:avLst/>
-          </a:prstGeom>
-          <a:noFill/>
-          <a:ln/>
-        </p:spPr>
-        <p:txBody>
-          <a:bodyPr wrap="square" rtlCol="0" anchor="ctr"/>
-          <a:lstStyle/>
-          <a:p>
-            <a:pPr marL="0" indent="0" algn="ctr">
-              <a:buNone/>
-            </a:pPr>
-            <a:r>
-              <a:rPr lang="en-US" sz="1300" b="1" dirty="0">
-                <a:solidFill>
-                  <a:srgbClr val="FFFFFF"/>
-                </a:solidFill>
-              </a:rPr>
-              <a:t>Msg 1</a:t>
-            </a:r>
-            <a:endParaRPr lang="en-US" sz="1300" dirty="0"/>
-          </a:p>
-          <a:p>
-            <a:pPr marL="0" indent="0" algn="ctr">
-              <a:buNone/>
-            </a:pPr>
-            <a:r>
-              <a:rPr lang="en-US" sz="1300" b="1" dirty="0">
-                <a:solidFill>
-                  <a:srgbClr val="FFFFFF"/>
-                </a:solidFill>
-              </a:rPr>
-              <a:t>10₽</a:t>
-            </a:r>
-            <a:endParaRPr lang="en-US" sz="1300" dirty="0"/>
-          </a:p>
-        </p:txBody>
-      </p:sp>
-      <p:sp>
-        <p:nvSpPr>
-          <p:cNvPr id="5" name="Shape 3"/>
-          <p:cNvSpPr/>
-          <p:nvPr/>
-        </p:nvSpPr>
-        <p:spPr>
-          <a:xfrm>
-            <a:off x="2560320" y="1371600"/>
-            <a:ext cx="1188720" cy="731520"/>
-          </a:xfrm>
-          <a:prstGeom prst="rect">
-            <a:avLst/>
-          </a:prstGeom>
-          <a:solidFill>
-            <a:srgbClr val="00A896"/>
-          </a:solidFill>
-          <a:ln/>
-          <a:effectLst>
-            <a:outerShdw blurRad="101600" dist="38100" dir="8100000" algn="bl" rotWithShape="0">
-              <a:srgbClr val="000000">
-                <a:alpha val="15000"/>
-              </a:srgbClr>
-            </a:outerShdw>
-          </a:effectLst>
-        </p:spPr>
-      </p:sp>
-      <p:sp>
-        <p:nvSpPr>
-          <p:cNvPr id="6" name="Text 4"/>
-          <p:cNvSpPr/>
-          <p:nvPr/>
-        </p:nvSpPr>
-        <p:spPr>
-          <a:xfrm>
-            <a:off x="2560320" y="1371600"/>
-            <a:ext cx="1188720" cy="731520"/>
-          </a:xfrm>
-          <a:prstGeom prst="rect">
-            <a:avLst/>
-          </a:prstGeom>
-          <a:noFill/>
-          <a:ln/>
-        </p:spPr>
-        <p:txBody>
-          <a:bodyPr wrap="square" rtlCol="0" anchor="ctr"/>
-          <a:lstStyle/>
-          <a:p>
-            <a:pPr marL="0" indent="0" algn="ctr">
-              <a:buNone/>
-            </a:pPr>
-            <a:r>
-              <a:rPr lang="en-US" sz="1300" b="1" dirty="0">
-                <a:solidFill>
-                  <a:srgbClr val="FFFFFF"/>
-                </a:solidFill>
-              </a:rPr>
-              <a:t>Msg 2</a:t>
-            </a:r>
-            <a:endParaRPr lang="en-US" sz="1300" dirty="0"/>
-          </a:p>
-          <a:p>
-            <a:pPr marL="0" indent="0" algn="ctr">
-              <a:buNone/>
-            </a:pPr>
-            <a:r>
-              <a:rPr lang="en-US" sz="1300" b="1" dirty="0">
-                <a:solidFill>
-                  <a:srgbClr val="FFFFFF"/>
-                </a:solidFill>
-              </a:rPr>
-              <a:t>25₽</a:t>
-            </a:r>
-            <a:endParaRPr lang="en-US" sz="1300" dirty="0"/>
-          </a:p>
-        </p:txBody>
-      </p:sp>
-      <p:sp>
-        <p:nvSpPr>
-          <p:cNvPr id="7" name="Shape 5"/>
-          <p:cNvSpPr/>
-          <p:nvPr/>
-        </p:nvSpPr>
-        <p:spPr>
-          <a:xfrm>
-            <a:off x="4023360" y="1371600"/>
-            <a:ext cx="1188720" cy="731520"/>
-          </a:xfrm>
-          <a:prstGeom prst="rect">
-            <a:avLst/>
-          </a:prstGeom>
-          <a:solidFill>
-            <a:srgbClr val="00A896"/>
-          </a:solidFill>
-          <a:ln/>
-          <a:effectLst>
-            <a:outerShdw blurRad="101600" dist="38100" dir="8100000" algn="bl" rotWithShape="0">
-              <a:srgbClr val="000000">
-                <a:alpha val="15000"/>
-              </a:srgbClr>
-            </a:outerShdw>
-          </a:effectLst>
-        </p:spPr>
-      </p:sp>
-      <p:sp>
-        <p:nvSpPr>
-          <p:cNvPr id="8" name="Text 6"/>
-          <p:cNvSpPr/>
-          <p:nvPr/>
-        </p:nvSpPr>
-        <p:spPr>
-          <a:xfrm>
-            <a:off x="4023360" y="1371600"/>
-            <a:ext cx="1188720" cy="731520"/>
-          </a:xfrm>
-          <a:prstGeom prst="rect">
-            <a:avLst/>
-          </a:prstGeom>
-          <a:noFill/>
-          <a:ln/>
-        </p:spPr>
-        <p:txBody>
-          <a:bodyPr wrap="square" rtlCol="0" anchor="ctr"/>
-          <a:lstStyle/>
-          <a:p>
-            <a:pPr marL="0" indent="0" algn="ctr">
-              <a:buNone/>
-            </a:pPr>
-            <a:r>
-              <a:rPr lang="en-US" sz="1300" b="1" dirty="0">
-                <a:solidFill>
-                  <a:srgbClr val="FFFFFF"/>
-                </a:solidFill>
-              </a:rPr>
-              <a:t>Msg 3</a:t>
-            </a:r>
-            <a:endParaRPr lang="en-US" sz="1300" dirty="0"/>
-          </a:p>
-          <a:p>
-            <a:pPr marL="0" indent="0" algn="ctr">
-              <a:buNone/>
-            </a:pPr>
-            <a:r>
-              <a:rPr lang="en-US" sz="1300" b="1" dirty="0">
-                <a:solidFill>
-                  <a:srgbClr val="FFFFFF"/>
-                </a:solidFill>
-              </a:rPr>
-              <a:t>45₽</a:t>
-            </a:r>
-            <a:endParaRPr lang="en-US" sz="1300" dirty="0"/>
-          </a:p>
-        </p:txBody>
-      </p:sp>
-      <p:sp>
-        <p:nvSpPr>
-          <p:cNvPr id="9" name="Shape 7"/>
-          <p:cNvSpPr/>
-          <p:nvPr/>
-        </p:nvSpPr>
-        <p:spPr>
-          <a:xfrm>
-            <a:off x="5486400" y="1371600"/>
-            <a:ext cx="1188720" cy="731520"/>
-          </a:xfrm>
-          <a:prstGeom prst="rect">
-            <a:avLst/>
-          </a:prstGeom>
-          <a:solidFill>
-            <a:srgbClr val="028090"/>
-          </a:solidFill>
-          <a:ln/>
-          <a:effectLst>
-            <a:outerShdw blurRad="101600" dist="38100" dir="8100000" algn="bl" rotWithShape="0">
-              <a:srgbClr val="000000">
-                <a:alpha val="15000"/>
-              </a:srgbClr>
-            </a:outerShdw>
-          </a:effectLst>
-        </p:spPr>
-      </p:sp>
-      <p:sp>
-        <p:nvSpPr>
-          <p:cNvPr id="10" name="Text 8"/>
-          <p:cNvSpPr/>
-          <p:nvPr/>
-        </p:nvSpPr>
-        <p:spPr>
-          <a:xfrm>
-            <a:off x="5486400" y="1371600"/>
-            <a:ext cx="1188720" cy="731520"/>
-          </a:xfrm>
-          <a:prstGeom prst="rect">
-            <a:avLst/>
-          </a:prstGeom>
-          <a:noFill/>
-          <a:ln/>
-        </p:spPr>
-        <p:txBody>
-          <a:bodyPr wrap="square" rtlCol="0" anchor="ctr"/>
-          <a:lstStyle/>
-          <a:p>
-            <a:pPr marL="0" indent="0" algn="ctr">
-              <a:buNone/>
-            </a:pPr>
-            <a:r>
-              <a:rPr lang="en-US" sz="1300" b="1" dirty="0">
-                <a:solidFill>
-                  <a:srgbClr val="FFFFFF"/>
-                </a:solidFill>
-              </a:rPr>
-              <a:t>Msg 4</a:t>
-            </a:r>
-            <a:endParaRPr lang="en-US" sz="1300" dirty="0"/>
-          </a:p>
-          <a:p>
-            <a:pPr marL="0" indent="0" algn="ctr">
-              <a:buNone/>
-            </a:pPr>
-            <a:r>
-              <a:rPr lang="en-US" sz="1300" b="1" dirty="0">
-                <a:solidFill>
-                  <a:srgbClr val="FFFFFF"/>
-                </a:solidFill>
-              </a:rPr>
-              <a:t>70₽</a:t>
-            </a:r>
-            <a:endParaRPr lang="en-US" sz="1300" dirty="0"/>
-          </a:p>
-        </p:txBody>
-      </p:sp>
-      <p:sp>
-        <p:nvSpPr>
-          <p:cNvPr id="11" name="Shape 9"/>
-          <p:cNvSpPr/>
-          <p:nvPr/>
-        </p:nvSpPr>
-        <p:spPr>
-          <a:xfrm>
-            <a:off x="6949440" y="1371600"/>
-            <a:ext cx="1188720" cy="731520"/>
-          </a:xfrm>
-          <a:prstGeom prst="rect">
-            <a:avLst/>
-          </a:prstGeom>
-          <a:solidFill>
-            <a:srgbClr val="028090"/>
-          </a:solidFill>
-          <a:ln/>
-          <a:effectLst>
-            <a:outerShdw blurRad="101600" dist="38100" dir="8100000" algn="bl" rotWithShape="0">
-              <a:srgbClr val="000000">
-                <a:alpha val="15000"/>
-              </a:srgbClr>
-            </a:outerShdw>
-          </a:effectLst>
-        </p:spPr>
-      </p:sp>
-      <p:sp>
-        <p:nvSpPr>
-          <p:cNvPr id="12" name="Text 10"/>
-          <p:cNvSpPr/>
-          <p:nvPr/>
-        </p:nvSpPr>
-        <p:spPr>
-          <a:xfrm>
-            <a:off x="6949440" y="1371600"/>
-            <a:ext cx="1188720" cy="731520"/>
-          </a:xfrm>
-          <a:prstGeom prst="rect">
-            <a:avLst/>
-          </a:prstGeom>
-          <a:noFill/>
-          <a:ln/>
-        </p:spPr>
-        <p:txBody>
-          <a:bodyPr wrap="square" rtlCol="0" anchor="ctr"/>
-          <a:lstStyle/>
-          <a:p>
-            <a:pPr marL="0" indent="0" algn="ctr">
-              <a:buNone/>
-            </a:pPr>
-            <a:r>
-              <a:rPr lang="en-US" sz="1300" b="1" dirty="0">
-                <a:solidFill>
-                  <a:srgbClr val="FFFFFF"/>
-                </a:solidFill>
-              </a:rPr>
-              <a:t>Msg 5</a:t>
-            </a:r>
-            <a:endParaRPr lang="en-US" sz="1300" dirty="0"/>
-          </a:p>
-          <a:p>
-            <a:pPr marL="0" indent="0" algn="ctr">
-              <a:buNone/>
-            </a:pPr>
-            <a:r>
-              <a:rPr lang="en-US" sz="1300" b="1" dirty="0">
-                <a:solidFill>
-                  <a:srgbClr val="FFFFFF"/>
-                </a:solidFill>
-              </a:rPr>
-              <a:t>100₽</a:t>
-            </a:r>
-            <a:endParaRPr lang="en-US" sz="1300" dirty="0"/>
-          </a:p>
-        </p:txBody>
-      </p:sp>
-      <p:pic>
-        <p:nvPicPr>
-          <p:cNvPr id="13" name="Image 0" descr="preencoded.png"/>
-          <p:cNvPicPr>
-            <a:picLocks noChangeAspect="1"/>
-          </p:cNvPicPr>
-          <p:nvPr/>
-        </p:nvPicPr>
-        <p:blipFill>
-          <a:blip r:embed="rId3"/>
-          <a:stretch>
-            <a:fillRect/>
-          </a:stretch>
-        </p:blipFill>
-        <p:spPr>
-          <a:xfrm>
-            <a:off x="640080" y="2560320"/>
-            <a:ext cx="457200" cy="457200"/>
-          </a:xfrm>
-          <a:prstGeom prst="rect">
-            <a:avLst/>
-          </a:prstGeom>
-        </p:spPr>
-      </p:pic>
-      <p:sp>
-        <p:nvSpPr>
-          <p:cNvPr id="14" name="Text 11"/>
-          <p:cNvSpPr/>
-          <p:nvPr/>
-        </p:nvSpPr>
-        <p:spPr>
-          <a:xfrm>
-            <a:off x="1188720" y="2651760"/>
-            <a:ext cx="4439920" cy="1097280"/>
-          </a:xfrm>
-          <a:prstGeom prst="rect">
-            <a:avLst/>
-          </a:prstGeom>
-          <a:noFill/>
-          <a:ln/>
-        </p:spPr>
-        <p:txBody>
-          <a:bodyPr wrap="square" rtlCol="0" anchor="ctr"/>
-          <a:lstStyle/>
-          <a:p>
-            <a:pPr marL="342900" indent="-342900">
-              <a:buSzPct val="100000"/>
-              <a:buChar char="•"/>
-            </a:pPr>
-            <a:r>
-              <a:rPr lang="en-US" sz="1500" dirty="0">
-                <a:solidFill>
-                  <a:srgbClr val="2C3E50"/>
-                </a:solidFill>
-              </a:rPr>
-              <a:t>Каждый новый запрос включает всю историю</a:t>
-            </a:r>
-            <a:endParaRPr lang="en-US" sz="1500" dirty="0"/>
-          </a:p>
-          <a:p>
-            <a:pPr marL="342900" indent="-342900">
-              <a:buSzPct val="100000"/>
-              <a:buChar char="•"/>
-            </a:pPr>
-            <a:r>
-              <a:rPr lang="en-US" sz="1500" dirty="0">
-                <a:solidFill>
-                  <a:srgbClr val="2C3E50"/>
-                </a:solidFill>
-              </a:rPr>
-              <a:t>Чем длиннее история, тем дороже даже короткий ответ</a:t>
-            </a:r>
-            <a:endParaRPr lang="en-US" sz="1500" dirty="0"/>
-          </a:p>
-          <a:p>
-            <a:pPr marL="342900" indent="-342900">
-              <a:buSzPct val="100000"/>
-              <a:buChar char="•"/>
-            </a:pPr>
-            <a:r>
-              <a:rPr lang="en-US" sz="1500" dirty="0">
-                <a:solidFill>
-                  <a:srgbClr val="2C3E50"/>
-                </a:solidFill>
-              </a:rPr>
-              <a:t>Исключения: кэш и summarize</a:t>
-            </a:r>
-            <a:endParaRPr lang="en-US" sz="1500" dirty="0"/>
-          </a:p>
-        </p:txBody>
-      </p:sp>
-      <p:sp>
-        <p:nvSpPr>
-          <p:cNvPr id="15" name="Shape 12"/>
-          <p:cNvSpPr/>
-          <p:nvPr/>
-        </p:nvSpPr>
-        <p:spPr>
-          <a:xfrm>
-            <a:off x="2015067" y="4320540"/>
-            <a:ext cx="5486400" cy="548640"/>
-          </a:xfrm>
-          <a:prstGeom prst="rect">
-            <a:avLst/>
-          </a:prstGeom>
-          <a:solidFill>
-            <a:srgbClr val="FFC107">
-              <a:alpha val="80000"/>
-            </a:srgbClr>
-          </a:solidFill>
-          <a:ln/>
-        </p:spPr>
-      </p:sp>
-      <p:sp>
-        <p:nvSpPr>
-          <p:cNvPr id="16" name="Text 13"/>
-          <p:cNvSpPr/>
-          <p:nvPr/>
-        </p:nvSpPr>
-        <p:spPr>
-          <a:xfrm>
-            <a:off x="2015067" y="4320540"/>
-            <a:ext cx="5486400" cy="548640"/>
-          </a:xfrm>
-          <a:prstGeom prst="rect">
-            <a:avLst/>
-          </a:prstGeom>
-          <a:noFill/>
-          <a:ln/>
-        </p:spPr>
-        <p:txBody>
-          <a:bodyPr wrap="square" rtlCol="0" anchor="ctr"/>
-          <a:lstStyle/>
-          <a:p>
-            <a:pPr marL="0" indent="0" algn="ctr">
-              <a:buNone/>
-            </a:pPr>
-            <a:r>
-              <a:rPr lang="en-US" sz="1600" b="1" dirty="0">
-                <a:solidFill>
-                  <a:srgbClr val="2C3E50"/>
-                </a:solidFill>
-              </a:rPr>
-              <a:t>Длинный диалог = дороже каждое сообщение</a:t>
-            </a:r>
-            <a:endParaRPr lang="en-US" sz="1600" dirty="0"/>
-          </a:p>
-        </p:txBody>
-      </p:sp>
-      <p:pic>
-        <p:nvPicPr>
-          <p:cNvPr id="6146" name="Picture 2" descr="Создать комикс мем &quot;шутка за шуткой кролики, гифка шутка за шуткой, шутка  за шуткой заставка&quot; - Комиксы - Meme-arsenal.com">
-            <a:extLst>
-              <a:ext uri="{FF2B5EF4-FFF2-40B4-BE49-F238E27FC236}">
-                <a16:creationId xmlns:a16="http://schemas.microsoft.com/office/drawing/2014/main" id="{1A98F8B2-0C36-A913-FF3F-1DF2BB966D8B}"/>
-              </a:ext>
-            </a:extLst>
-          </p:cNvPr>
-          <p:cNvPicPr>
-            <a:picLocks noChangeAspect="1" noChangeArrowheads="1"/>
-          </p:cNvPicPr>
-          <p:nvPr/>
-        </p:nvPicPr>
-        <p:blipFill rotWithShape="1">
-          <a:blip r:embed="rId4">
-            <a:extLst>
-              <a:ext uri="{28A0092B-C50C-407E-A947-70E740481C1C}">
-                <a14:useLocalDpi xmlns:a14="http://schemas.microsoft.com/office/drawing/2010/main" val="0"/>
-              </a:ext>
-            </a:extLst>
-          </a:blip>
-          <a:srcRect l="11808" r="12116"/>
-          <a:stretch>
-            <a:fillRect/>
-          </a:stretch>
-        </p:blipFill>
-        <p:spPr bwMode="auto">
-          <a:xfrm>
-            <a:off x="6283515" y="2442961"/>
-            <a:ext cx="2403285" cy="1775343"/>
-          </a:xfrm>
-          <a:prstGeom prst="rect">
-            <a:avLst/>
-          </a:prstGeom>
-          <a:noFill/>
-          <a:extLst>
-            <a:ext uri="{909E8E84-426E-40DD-AFC4-6F175D3DCCD1}">
-              <a14:hiddenFill xmlns:a14="http://schemas.microsoft.com/office/drawing/2010/main">
-                <a:solidFill>
-                  <a:srgbClr val="FFFFFF"/>
-                </a:solidFill>
-              </a14:hiddenFill>
-            </a:ext>
-          </a:extLst>
-        </p:spPr>
-      </p:pic>
-    </p:spTree>
-  </p:cSld>
-  <p:clrMapOvr>
-    <a:masterClrMapping/>
-  </p:clrMapOvr>
-</p:sld>
-</file>
-
 <file path=ppt/theme/theme1.xml><?xml version="1.0" encoding="utf-8"?>
 <a:theme xmlns:a="http://schemas.openxmlformats.org/drawingml/2006/main" name="Office Theme">
   <a:themeElements>

--- a/docs/slides/AI_Cursor_Workshop.pptx
+++ b/docs/slides/AI_Cursor_Workshop.pptx
@@ -4449,8 +4449,8 @@
         </p:nvSpPr>
         <p:spPr>
           <a:xfrm>
-            <a:off x="640080" y="2103120"/>
-            <a:ext cx="7772400" cy="1097280"/>
+            <a:off x="640080" y="1740626"/>
+            <a:ext cx="7772400" cy="1756954"/>
           </a:xfrm>
           <a:prstGeom prst="rect">
             <a:avLst/>
@@ -4546,6 +4546,44 @@
                 </a:solidFill>
               </a:rPr>
               <a:t>Если модель начинает искать файлы – вы ошиблись</a:t>
+            </a:r>
+            <a:endParaRPr lang="en-US" sz="1500" dirty="0">
+              <a:solidFill>
+                <a:srgbClr val="2C3E50"/>
+              </a:solidFill>
+            </a:endParaRPr>
+          </a:p>
+          <a:p>
+            <a:pPr marL="342900" indent="-342900">
+              <a:buSzPct val="100000"/>
+              <a:buChar char="•"/>
+            </a:pPr>
+            <a:r>
+              <a:rPr lang="ru-RU" sz="1500" dirty="0">
+                <a:solidFill>
+                  <a:srgbClr val="2C3E50"/>
+                </a:solidFill>
+              </a:rPr>
+              <a:t>Контекстом может быть даже прошлый чат</a:t>
+            </a:r>
+            <a:endParaRPr lang="en-US" sz="1500" dirty="0">
+              <a:solidFill>
+                <a:srgbClr val="2C3E50"/>
+              </a:solidFill>
+            </a:endParaRPr>
+          </a:p>
+          <a:p>
+            <a:pPr marL="342900" indent="-342900">
+              <a:buSzPct val="100000"/>
+              <a:buChar char="•"/>
+            </a:pPr>
+            <a:r>
+              <a:rPr lang="ru-RU" sz="1500" dirty="0">
+                <a:solidFill>
+                  <a:srgbClr val="2C3E50"/>
+                </a:solidFill>
+              </a:rPr>
+              <a:t>Документация тоже может быть контекстом</a:t>
             </a:r>
             <a:endParaRPr lang="en-US" sz="1500" dirty="0"/>
           </a:p>
@@ -4793,7 +4831,7 @@
         <p:spPr>
           <a:xfrm>
             <a:off x="914400" y="1828800"/>
-            <a:ext cx="3474720" cy="2560320"/>
+            <a:ext cx="3474720" cy="1974608"/>
           </a:xfrm>
           <a:prstGeom prst="rect">
             <a:avLst/>
@@ -4855,7 +4893,7 @@
         </p:nvSpPr>
         <p:spPr>
           <a:xfrm>
-            <a:off x="1097280" y="2560320"/>
+            <a:off x="1097280" y="2147691"/>
             <a:ext cx="3108960" cy="1645920"/>
           </a:xfrm>
           <a:prstGeom prst="rect">
@@ -4923,7 +4961,7 @@
         <p:spPr>
           <a:xfrm>
             <a:off x="4754880" y="1828800"/>
-            <a:ext cx="3474720" cy="2560320"/>
+            <a:ext cx="3474720" cy="1974608"/>
           </a:xfrm>
           <a:prstGeom prst="rect">
             <a:avLst/>
@@ -4995,7 +5033,7 @@
         </p:nvSpPr>
         <p:spPr>
           <a:xfrm>
-            <a:off x="4937760" y="2560320"/>
+            <a:off x="4937760" y="2147691"/>
             <a:ext cx="3108960" cy="1645920"/>
           </a:xfrm>
           <a:prstGeom prst="rect">
@@ -5106,7 +5144,7 @@
         </p:blipFill>
         <p:spPr bwMode="auto">
           <a:xfrm>
-            <a:off x="7594376" y="3705437"/>
+            <a:off x="7633565" y="3153531"/>
             <a:ext cx="904687" cy="1184487"/>
           </a:xfrm>
           <a:prstGeom prst="rect">
@@ -5124,6 +5162,77 @@
           </a:extLst>
         </p:spPr>
       </p:pic>
+      <p:sp>
+        <p:nvSpPr>
+          <p:cNvPr id="10" name="Text 4">
+            <a:extLst>
+              <a:ext uri="{FF2B5EF4-FFF2-40B4-BE49-F238E27FC236}">
+                <a16:creationId xmlns:a16="http://schemas.microsoft.com/office/drawing/2014/main" id="{FA9C8D51-F016-B95F-8C3C-F83D6B90C7CA}"/>
+              </a:ext>
+            </a:extLst>
+          </p:cNvPr>
+          <p:cNvSpPr/>
+          <p:nvPr/>
+        </p:nvSpPr>
+        <p:spPr>
+          <a:xfrm>
+            <a:off x="1097280" y="3951515"/>
+            <a:ext cx="6446520" cy="1048294"/>
+          </a:xfrm>
+          <a:prstGeom prst="rect">
+            <a:avLst/>
+          </a:prstGeom>
+          <a:noFill/>
+          <a:ln/>
+        </p:spPr>
+        <p:txBody>
+          <a:bodyPr wrap="square" rtlCol="0" anchor="ctr"/>
+          <a:lstStyle/>
+          <a:p>
+            <a:pPr marL="342900" indent="-342900">
+              <a:buSzPct val="100000"/>
+              <a:buChar char="•"/>
+            </a:pPr>
+            <a:r>
+              <a:rPr lang="ru-RU" sz="1400" dirty="0">
+                <a:solidFill>
+                  <a:srgbClr val="2C3E50"/>
+                </a:solidFill>
+              </a:rPr>
+              <a:t>Для моделей который возвращают полный файл – недопустимо иметь полотна кода на 2000 строк</a:t>
+            </a:r>
+          </a:p>
+          <a:p>
+            <a:pPr marL="342900" indent="-342900">
+              <a:buSzPct val="100000"/>
+              <a:buChar char="•"/>
+            </a:pPr>
+            <a:r>
+              <a:rPr lang="ru-RU" sz="1400" dirty="0">
+                <a:solidFill>
+                  <a:srgbClr val="2C3E50"/>
+                </a:solidFill>
+              </a:rPr>
+              <a:t>Стараемся держать средний размер в пределах 200 - 700 строк</a:t>
+            </a:r>
+          </a:p>
+          <a:p>
+            <a:pPr marL="342900" indent="-342900">
+              <a:buSzPct val="100000"/>
+              <a:buChar char="•"/>
+            </a:pPr>
+            <a:r>
+              <a:rPr lang="ru-RU" sz="1400" dirty="0">
+                <a:solidFill>
+                  <a:srgbClr val="2C3E50"/>
+                </a:solidFill>
+              </a:rPr>
+              <a:t>Большие файлы подвержены потере контекста</a:t>
+            </a:r>
+            <a:endParaRPr lang="en-US" sz="1400" dirty="0"/>
+          </a:p>
+        </p:txBody>
+      </p:sp>
     </p:spTree>
   </p:cSld>
   <p:clrMapOvr>
@@ -8848,7 +8957,39 @@
                   <a:srgbClr val="2C3E50"/>
                 </a:solidFill>
               </a:rPr>
-              <a:t>Принятие изменений без проверки</a:t>
+              <a:t>Принятие изменений </a:t>
+            </a:r>
+            <a:r>
+              <a:rPr lang="en-US" sz="1400" dirty="0" err="1">
+                <a:solidFill>
+                  <a:srgbClr val="2C3E50"/>
+                </a:solidFill>
+              </a:rPr>
+              <a:t>без</a:t>
+            </a:r>
+            <a:r>
+              <a:rPr lang="en-US" sz="1400" dirty="0">
+                <a:solidFill>
+                  <a:srgbClr val="2C3E50"/>
+                </a:solidFill>
+              </a:rPr>
+              <a:t> </a:t>
+            </a:r>
+            <a:r>
+              <a:rPr lang="en-US" sz="1400" dirty="0" err="1">
+                <a:solidFill>
+                  <a:srgbClr val="2C3E50"/>
+                </a:solidFill>
+              </a:rPr>
+              <a:t>проверки</a:t>
+            </a:r>
+            <a:r>
+              <a:rPr lang="ru-RU" sz="1400" dirty="0">
+                <a:solidFill>
+                  <a:srgbClr val="2C3E50"/>
+                </a:solidFill>
+              </a:rPr>
+              <a:t> и правок</a:t>
             </a:r>
             <a:endParaRPr lang="en-US" sz="1400" dirty="0"/>
           </a:p>
@@ -9485,7 +9626,7 @@
         </p:nvSpPr>
         <p:spPr>
           <a:xfrm>
-            <a:off x="1097280" y="2468880"/>
+            <a:off x="1097280" y="2286000"/>
             <a:ext cx="3108960" cy="1463040"/>
           </a:xfrm>
           <a:prstGeom prst="rect">
@@ -9533,12 +9674,39 @@
               <a:buChar char="•"/>
             </a:pPr>
             <a:r>
+              <a:rPr lang="en-US" sz="1300" dirty="0" err="1">
+                <a:solidFill>
+                  <a:srgbClr val="2C3E50"/>
+                </a:solidFill>
+              </a:rPr>
+              <a:t>Без</a:t>
+            </a:r>
+            <a:r>
               <a:rPr lang="en-US" sz="1300" dirty="0">
                 <a:solidFill>
                   <a:srgbClr val="2C3E50"/>
                 </a:solidFill>
               </a:rPr>
-              <a:t>Без summarize</a:t>
+              <a:t> summarize</a:t>
+            </a:r>
+            <a:endParaRPr lang="ru-RU" sz="1300" dirty="0">
+              <a:solidFill>
+                <a:srgbClr val="2C3E50"/>
+              </a:solidFill>
+            </a:endParaRPr>
+          </a:p>
+          <a:p>
+            <a:pPr marL="342900" indent="-342900">
+              <a:buSzPct val="100000"/>
+              <a:buChar char="•"/>
+            </a:pPr>
+            <a:r>
+              <a:rPr lang="ru-RU" sz="1300" dirty="0">
+                <a:solidFill>
+                  <a:srgbClr val="2C3E50"/>
+                </a:solidFill>
+              </a:rPr>
+              <a:t>Более 2к строк кода на файл</a:t>
             </a:r>
             <a:endParaRPr lang="en-US" sz="1300" dirty="0"/>
           </a:p>
@@ -9622,7 +9790,7 @@
         </p:nvSpPr>
         <p:spPr>
           <a:xfrm>
-            <a:off x="4937760" y="2468880"/>
+            <a:off x="4937760" y="2286000"/>
             <a:ext cx="3108960" cy="1463040"/>
           </a:xfrm>
           <a:prstGeom prst="rect">
@@ -9675,7 +9843,34 @@
                   <a:srgbClr val="2C3E50"/>
                 </a:solidFill>
               </a:rPr>
-              <a:t>Summarize истории</a:t>
+              <a:t>Summarize </a:t>
+            </a:r>
+            <a:r>
+              <a:rPr lang="en-US" sz="1300" dirty="0" err="1">
+                <a:solidFill>
+                  <a:srgbClr val="2C3E50"/>
+                </a:solidFill>
+              </a:rPr>
+              <a:t>истории</a:t>
+            </a:r>
+            <a:endParaRPr lang="ru-RU" sz="1300" dirty="0">
+              <a:solidFill>
+                <a:srgbClr val="2C3E50"/>
+              </a:solidFill>
+            </a:endParaRPr>
+          </a:p>
+          <a:p>
+            <a:pPr marL="342900" indent="-342900">
+              <a:buSzPct val="100000"/>
+              <a:buChar char="•"/>
+            </a:pPr>
+            <a:r>
+              <a:rPr lang="ru-RU" sz="1300" dirty="0">
+                <a:solidFill>
+                  <a:srgbClr val="2C3E50"/>
+                </a:solidFill>
+              </a:rPr>
+              <a:t>Контроль размеров файлов</a:t>
             </a:r>
             <a:endParaRPr lang="en-US" sz="1300" dirty="0"/>
           </a:p>
@@ -10365,7 +10560,7 @@
         </p:nvSpPr>
         <p:spPr>
           <a:xfrm>
-            <a:off x="1371600" y="3324498"/>
+            <a:off x="1371600" y="3455126"/>
             <a:ext cx="6400800" cy="1371600"/>
           </a:xfrm>
           <a:prstGeom prst="rect">
@@ -11532,7 +11727,7 @@
         </p:blipFill>
         <p:spPr bwMode="auto">
           <a:xfrm>
-            <a:off x="5623558" y="1018902"/>
+            <a:off x="5623558" y="1436914"/>
             <a:ext cx="3331029" cy="1930037"/>
           </a:xfrm>
           <a:prstGeom prst="rect">
@@ -11679,7 +11874,7 @@
         </p:nvSpPr>
         <p:spPr>
           <a:xfrm>
-            <a:off x="320040" y="3523706"/>
+            <a:off x="685800" y="3935186"/>
             <a:ext cx="7772400" cy="822960"/>
           </a:xfrm>
           <a:prstGeom prst="rect">
